--- a/문서/발표/TheIsland_김하윤_이동규_이득유.pptx
+++ b/문서/발표/TheIsland_김하윤_이동규_이득유.pptx
@@ -238,7 +238,7 @@
               <a:pPr lvl="0">
                 <a:defRPr/>
               </a:pPr>
-              <a:t>2020-01-15</a:t>
+              <a:t>2020-04-05</a:t>
             </a:fld>
             <a:endParaRPr lang="ko-KR" altLang="en-US"/>
           </a:p>
@@ -670,7 +670,7 @@
           <a:p>
             <a:fld id="{733DF88E-EEC7-4590-8394-8F97695D91F0}" type="datetimeFigureOut">
               <a:rPr lang="ko-KR" altLang="en-US" smtClean="0"/>
-              <a:t>2020-01-15</a:t>
+              <a:t>2020-04-05</a:t>
             </a:fld>
             <a:endParaRPr lang="ko-KR" altLang="en-US"/>
           </a:p>
@@ -868,7 +868,7 @@
           <a:p>
             <a:fld id="{733DF88E-EEC7-4590-8394-8F97695D91F0}" type="datetimeFigureOut">
               <a:rPr lang="ko-KR" altLang="en-US" smtClean="0"/>
-              <a:t>2020-01-15</a:t>
+              <a:t>2020-04-05</a:t>
             </a:fld>
             <a:endParaRPr lang="ko-KR" altLang="en-US"/>
           </a:p>
@@ -1076,7 +1076,7 @@
           <a:p>
             <a:fld id="{733DF88E-EEC7-4590-8394-8F97695D91F0}" type="datetimeFigureOut">
               <a:rPr lang="ko-KR" altLang="en-US" smtClean="0"/>
-              <a:t>2020-01-15</a:t>
+              <a:t>2020-04-05</a:t>
             </a:fld>
             <a:endParaRPr lang="ko-KR" altLang="en-US"/>
           </a:p>
@@ -1274,7 +1274,7 @@
           <a:p>
             <a:fld id="{733DF88E-EEC7-4590-8394-8F97695D91F0}" type="datetimeFigureOut">
               <a:rPr lang="ko-KR" altLang="en-US" smtClean="0"/>
-              <a:t>2020-01-15</a:t>
+              <a:t>2020-04-05</a:t>
             </a:fld>
             <a:endParaRPr lang="ko-KR" altLang="en-US"/>
           </a:p>
@@ -1549,7 +1549,7 @@
           <a:p>
             <a:fld id="{733DF88E-EEC7-4590-8394-8F97695D91F0}" type="datetimeFigureOut">
               <a:rPr lang="ko-KR" altLang="en-US" smtClean="0"/>
-              <a:t>2020-01-15</a:t>
+              <a:t>2020-04-05</a:t>
             </a:fld>
             <a:endParaRPr lang="ko-KR" altLang="en-US"/>
           </a:p>
@@ -1814,7 +1814,7 @@
           <a:p>
             <a:fld id="{733DF88E-EEC7-4590-8394-8F97695D91F0}" type="datetimeFigureOut">
               <a:rPr lang="ko-KR" altLang="en-US" smtClean="0"/>
-              <a:t>2020-01-15</a:t>
+              <a:t>2020-04-05</a:t>
             </a:fld>
             <a:endParaRPr lang="ko-KR" altLang="en-US"/>
           </a:p>
@@ -2226,7 +2226,7 @@
           <a:p>
             <a:fld id="{733DF88E-EEC7-4590-8394-8F97695D91F0}" type="datetimeFigureOut">
               <a:rPr lang="ko-KR" altLang="en-US" smtClean="0"/>
-              <a:t>2020-01-15</a:t>
+              <a:t>2020-04-05</a:t>
             </a:fld>
             <a:endParaRPr lang="ko-KR" altLang="en-US"/>
           </a:p>
@@ -2367,7 +2367,7 @@
           <a:p>
             <a:fld id="{733DF88E-EEC7-4590-8394-8F97695D91F0}" type="datetimeFigureOut">
               <a:rPr lang="ko-KR" altLang="en-US" smtClean="0"/>
-              <a:t>2020-01-15</a:t>
+              <a:t>2020-04-05</a:t>
             </a:fld>
             <a:endParaRPr lang="ko-KR" altLang="en-US"/>
           </a:p>
@@ -2480,7 +2480,7 @@
           <a:p>
             <a:fld id="{733DF88E-EEC7-4590-8394-8F97695D91F0}" type="datetimeFigureOut">
               <a:rPr lang="ko-KR" altLang="en-US" smtClean="0"/>
-              <a:t>2020-01-15</a:t>
+              <a:t>2020-04-05</a:t>
             </a:fld>
             <a:endParaRPr lang="ko-KR" altLang="en-US"/>
           </a:p>
@@ -2791,7 +2791,7 @@
           <a:p>
             <a:fld id="{733DF88E-EEC7-4590-8394-8F97695D91F0}" type="datetimeFigureOut">
               <a:rPr lang="ko-KR" altLang="en-US" smtClean="0"/>
-              <a:t>2020-01-15</a:t>
+              <a:t>2020-04-05</a:t>
             </a:fld>
             <a:endParaRPr lang="ko-KR" altLang="en-US"/>
           </a:p>
@@ -3079,7 +3079,7 @@
           <a:p>
             <a:fld id="{733DF88E-EEC7-4590-8394-8F97695D91F0}" type="datetimeFigureOut">
               <a:rPr lang="ko-KR" altLang="en-US" smtClean="0"/>
-              <a:t>2020-01-15</a:t>
+              <a:t>2020-04-05</a:t>
             </a:fld>
             <a:endParaRPr lang="ko-KR" altLang="en-US"/>
           </a:p>
@@ -3320,7 +3320,7 @@
           <a:p>
             <a:fld id="{733DF88E-EEC7-4590-8394-8F97695D91F0}" type="datetimeFigureOut">
               <a:rPr lang="ko-KR" altLang="en-US" smtClean="0"/>
-              <a:t>2020-01-15</a:t>
+              <a:t>2020-04-05</a:t>
             </a:fld>
             <a:endParaRPr lang="ko-KR" altLang="en-US"/>
           </a:p>
@@ -8172,7 +8172,7 @@
     <mc:Choice Requires="p14">
       <p:transition/>
     </mc:Choice>
-    <mc:Fallback xmlns="" xmlns:c="http://schemas.openxmlformats.org/drawingml/2006/chart" xmlns:dgm="http://schemas.openxmlformats.org/drawingml/2006/diagram" xmlns:dsp="http://schemas.microsoft.com/office/drawing/2008/diagram">
+    <mc:Fallback xmlns:dsp="http://schemas.microsoft.com/office/drawing/2008/diagram" xmlns:dgm="http://schemas.openxmlformats.org/drawingml/2006/diagram" xmlns:c="http://schemas.openxmlformats.org/drawingml/2006/chart" xmlns="">
       <p:transition/>
     </mc:Fallback>
   </mc:AlternateContent>
@@ -9293,7 +9293,7 @@
     <mc:Choice Requires="p14">
       <p:transition/>
     </mc:Choice>
-    <mc:Fallback xmlns:dsp="http://schemas.microsoft.com/office/drawing/2008/diagram" xmlns:dgm="http://schemas.openxmlformats.org/drawingml/2006/diagram" xmlns:c="http://schemas.openxmlformats.org/drawingml/2006/chart" xmlns="">
+    <mc:Fallback xmlns="" xmlns:c="http://schemas.openxmlformats.org/drawingml/2006/chart" xmlns:dgm="http://schemas.openxmlformats.org/drawingml/2006/diagram" xmlns:dsp="http://schemas.microsoft.com/office/drawing/2008/diagram">
       <p:transition/>
     </mc:Fallback>
   </mc:AlternateContent>
@@ -10324,7 +10324,7 @@
     <mc:Choice Requires="p14">
       <p:transition/>
     </mc:Choice>
-    <mc:Fallback xmlns="" xmlns:c="http://schemas.openxmlformats.org/drawingml/2006/chart" xmlns:dgm="http://schemas.openxmlformats.org/drawingml/2006/diagram" xmlns:dsp="http://schemas.microsoft.com/office/drawing/2008/diagram">
+    <mc:Fallback xmlns:dsp="http://schemas.microsoft.com/office/drawing/2008/diagram" xmlns:dgm="http://schemas.openxmlformats.org/drawingml/2006/diagram" xmlns:c="http://schemas.openxmlformats.org/drawingml/2006/chart" xmlns="">
       <p:transition/>
     </mc:Fallback>
   </mc:AlternateContent>
@@ -11141,7 +11141,7 @@
     <mc:Choice Requires="p14">
       <p:transition/>
     </mc:Choice>
-    <mc:Fallback xmlns:dsp="http://schemas.microsoft.com/office/drawing/2008/diagram" xmlns:dgm="http://schemas.openxmlformats.org/drawingml/2006/diagram" xmlns:c="http://schemas.openxmlformats.org/drawingml/2006/chart" xmlns="">
+    <mc:Fallback xmlns="" xmlns:c="http://schemas.openxmlformats.org/drawingml/2006/chart" xmlns:dgm="http://schemas.openxmlformats.org/drawingml/2006/diagram" xmlns:dsp="http://schemas.microsoft.com/office/drawing/2008/diagram">
       <p:transition/>
     </mc:Fallback>
   </mc:AlternateContent>
@@ -11461,14 +11461,14 @@
           <p:nvPr>
             <p:extLst>
               <p:ext uri="{D42A27DB-BD31-4B8C-83A1-F6EECF244321}">
-                <p14:modId xmlns:p14="http://schemas.microsoft.com/office/powerpoint/2010/main" val="3891136855"/>
+                <p14:modId xmlns:p14="http://schemas.microsoft.com/office/powerpoint/2010/main" val="300042910"/>
               </p:ext>
             </p:extLst>
           </p:nvPr>
         </p:nvGraphicFramePr>
         <p:xfrm>
           <a:off x="1060844" y="1853326"/>
-          <a:ext cx="10070312" cy="4005719"/>
+          <a:ext cx="10070326" cy="4005719"/>
         </p:xfrm>
         <a:graphic>
           <a:graphicData uri="http://schemas.openxmlformats.org/drawingml/2006/table">
@@ -11484,252 +11484,252 @@
                     </a:ext>
                   </a:extLst>
                 </a:gridCol>
-                <a:gridCol w="237411">
+                <a:gridCol w="235793">
                   <a:extLst>
                     <a:ext uri="{9D8B030D-6E8A-4147-A177-3AD203B41FA5}">
                       <a16:colId xmlns:a16="http://schemas.microsoft.com/office/drawing/2014/main" val="3644517398"/>
                     </a:ext>
                   </a:extLst>
                 </a:gridCol>
-                <a:gridCol w="208280">
+                <a:gridCol w="235793">
                   <a:extLst>
                     <a:ext uri="{9D8B030D-6E8A-4147-A177-3AD203B41FA5}">
                       <a16:colId xmlns:a16="http://schemas.microsoft.com/office/drawing/2014/main" val="635097394"/>
                     </a:ext>
                   </a:extLst>
                 </a:gridCol>
-                <a:gridCol w="237411">
+                <a:gridCol w="235793">
                   <a:extLst>
                     <a:ext uri="{9D8B030D-6E8A-4147-A177-3AD203B41FA5}">
                       <a16:colId xmlns:a16="http://schemas.microsoft.com/office/drawing/2014/main" val="1173372316"/>
                     </a:ext>
                   </a:extLst>
                 </a:gridCol>
-                <a:gridCol w="237411">
+                <a:gridCol w="235793">
                   <a:extLst>
                     <a:ext uri="{9D8B030D-6E8A-4147-A177-3AD203B41FA5}">
                       <a16:colId xmlns:a16="http://schemas.microsoft.com/office/drawing/2014/main" val="2396903522"/>
                     </a:ext>
                   </a:extLst>
                 </a:gridCol>
-                <a:gridCol w="208280">
+                <a:gridCol w="235793">
                   <a:extLst>
                     <a:ext uri="{9D8B030D-6E8A-4147-A177-3AD203B41FA5}">
                       <a16:colId xmlns:a16="http://schemas.microsoft.com/office/drawing/2014/main" val="852608590"/>
                     </a:ext>
                   </a:extLst>
                 </a:gridCol>
-                <a:gridCol w="237411">
+                <a:gridCol w="235793">
                   <a:extLst>
                     <a:ext uri="{9D8B030D-6E8A-4147-A177-3AD203B41FA5}">
                       <a16:colId xmlns:a16="http://schemas.microsoft.com/office/drawing/2014/main" val="466871491"/>
                     </a:ext>
                   </a:extLst>
                 </a:gridCol>
-                <a:gridCol w="237411">
+                <a:gridCol w="235793">
                   <a:extLst>
                     <a:ext uri="{9D8B030D-6E8A-4147-A177-3AD203B41FA5}">
                       <a16:colId xmlns:a16="http://schemas.microsoft.com/office/drawing/2014/main" val="2720229515"/>
                     </a:ext>
                   </a:extLst>
                 </a:gridCol>
-                <a:gridCol w="266542">
+                <a:gridCol w="235793">
                   <a:extLst>
                     <a:ext uri="{9D8B030D-6E8A-4147-A177-3AD203B41FA5}">
                       <a16:colId xmlns:a16="http://schemas.microsoft.com/office/drawing/2014/main" val="3595459252"/>
                     </a:ext>
                   </a:extLst>
                 </a:gridCol>
-                <a:gridCol w="208280">
+                <a:gridCol w="235793">
                   <a:extLst>
                     <a:ext uri="{9D8B030D-6E8A-4147-A177-3AD203B41FA5}">
                       <a16:colId xmlns:a16="http://schemas.microsoft.com/office/drawing/2014/main" val="1410959458"/>
                     </a:ext>
                   </a:extLst>
                 </a:gridCol>
-                <a:gridCol w="237411">
+                <a:gridCol w="235793">
                   <a:extLst>
                     <a:ext uri="{9D8B030D-6E8A-4147-A177-3AD203B41FA5}">
                       <a16:colId xmlns:a16="http://schemas.microsoft.com/office/drawing/2014/main" val="1788443742"/>
                     </a:ext>
                   </a:extLst>
                 </a:gridCol>
-                <a:gridCol w="237411">
+                <a:gridCol w="235793">
                   <a:extLst>
                     <a:ext uri="{9D8B030D-6E8A-4147-A177-3AD203B41FA5}">
                       <a16:colId xmlns:a16="http://schemas.microsoft.com/office/drawing/2014/main" val="3571818742"/>
                     </a:ext>
                   </a:extLst>
                 </a:gridCol>
-                <a:gridCol w="266542">
+                <a:gridCol w="235793">
                   <a:extLst>
                     <a:ext uri="{9D8B030D-6E8A-4147-A177-3AD203B41FA5}">
                       <a16:colId xmlns:a16="http://schemas.microsoft.com/office/drawing/2014/main" val="2021275623"/>
                     </a:ext>
                   </a:extLst>
                 </a:gridCol>
-                <a:gridCol w="208280">
+                <a:gridCol w="235793">
                   <a:extLst>
                     <a:ext uri="{9D8B030D-6E8A-4147-A177-3AD203B41FA5}">
                       <a16:colId xmlns:a16="http://schemas.microsoft.com/office/drawing/2014/main" val="2085706945"/>
                     </a:ext>
                   </a:extLst>
                 </a:gridCol>
-                <a:gridCol w="237411">
+                <a:gridCol w="235793">
                   <a:extLst>
                     <a:ext uri="{9D8B030D-6E8A-4147-A177-3AD203B41FA5}">
                       <a16:colId xmlns:a16="http://schemas.microsoft.com/office/drawing/2014/main" val="3428328875"/>
                     </a:ext>
                   </a:extLst>
                 </a:gridCol>
-                <a:gridCol w="237411">
+                <a:gridCol w="235793">
                   <a:extLst>
                     <a:ext uri="{9D8B030D-6E8A-4147-A177-3AD203B41FA5}">
                       <a16:colId xmlns:a16="http://schemas.microsoft.com/office/drawing/2014/main" val="697694373"/>
                     </a:ext>
                   </a:extLst>
                 </a:gridCol>
-                <a:gridCol w="266542">
+                <a:gridCol w="235793">
                   <a:extLst>
                     <a:ext uri="{9D8B030D-6E8A-4147-A177-3AD203B41FA5}">
                       <a16:colId xmlns:a16="http://schemas.microsoft.com/office/drawing/2014/main" val="3758131835"/>
                     </a:ext>
                   </a:extLst>
                 </a:gridCol>
-                <a:gridCol w="208280">
+                <a:gridCol w="235793">
                   <a:extLst>
                     <a:ext uri="{9D8B030D-6E8A-4147-A177-3AD203B41FA5}">
                       <a16:colId xmlns:a16="http://schemas.microsoft.com/office/drawing/2014/main" val="1622781749"/>
                     </a:ext>
                   </a:extLst>
                 </a:gridCol>
-                <a:gridCol w="237411">
+                <a:gridCol w="235793">
                   <a:extLst>
                     <a:ext uri="{9D8B030D-6E8A-4147-A177-3AD203B41FA5}">
                       <a16:colId xmlns:a16="http://schemas.microsoft.com/office/drawing/2014/main" val="3359928151"/>
                     </a:ext>
                   </a:extLst>
                 </a:gridCol>
-                <a:gridCol w="237411">
+                <a:gridCol w="235793">
                   <a:extLst>
                     <a:ext uri="{9D8B030D-6E8A-4147-A177-3AD203B41FA5}">
                       <a16:colId xmlns:a16="http://schemas.microsoft.com/office/drawing/2014/main" val="3087717044"/>
                     </a:ext>
                   </a:extLst>
                 </a:gridCol>
-                <a:gridCol w="266542">
+                <a:gridCol w="235793">
                   <a:extLst>
                     <a:ext uri="{9D8B030D-6E8A-4147-A177-3AD203B41FA5}">
                       <a16:colId xmlns:a16="http://schemas.microsoft.com/office/drawing/2014/main" val="1721004168"/>
                     </a:ext>
                   </a:extLst>
                 </a:gridCol>
-                <a:gridCol w="208280">
+                <a:gridCol w="235793">
                   <a:extLst>
                     <a:ext uri="{9D8B030D-6E8A-4147-A177-3AD203B41FA5}">
                       <a16:colId xmlns:a16="http://schemas.microsoft.com/office/drawing/2014/main" val="1618156094"/>
                     </a:ext>
                   </a:extLst>
                 </a:gridCol>
-                <a:gridCol w="237411">
+                <a:gridCol w="235793">
                   <a:extLst>
                     <a:ext uri="{9D8B030D-6E8A-4147-A177-3AD203B41FA5}">
                       <a16:colId xmlns:a16="http://schemas.microsoft.com/office/drawing/2014/main" val="4158675799"/>
                     </a:ext>
                   </a:extLst>
                 </a:gridCol>
-                <a:gridCol w="237411">
+                <a:gridCol w="235793">
                   <a:extLst>
                     <a:ext uri="{9D8B030D-6E8A-4147-A177-3AD203B41FA5}">
                       <a16:colId xmlns:a16="http://schemas.microsoft.com/office/drawing/2014/main" val="2117525698"/>
                     </a:ext>
                   </a:extLst>
                 </a:gridCol>
-                <a:gridCol w="266542">
+                <a:gridCol w="235793">
                   <a:extLst>
                     <a:ext uri="{9D8B030D-6E8A-4147-A177-3AD203B41FA5}">
                       <a16:colId xmlns:a16="http://schemas.microsoft.com/office/drawing/2014/main" val="3323390971"/>
                     </a:ext>
                   </a:extLst>
                 </a:gridCol>
-                <a:gridCol w="208280">
+                <a:gridCol w="235793">
                   <a:extLst>
                     <a:ext uri="{9D8B030D-6E8A-4147-A177-3AD203B41FA5}">
                       <a16:colId xmlns:a16="http://schemas.microsoft.com/office/drawing/2014/main" val="1025663504"/>
                     </a:ext>
                   </a:extLst>
                 </a:gridCol>
-                <a:gridCol w="237411">
+                <a:gridCol w="235793">
                   <a:extLst>
                     <a:ext uri="{9D8B030D-6E8A-4147-A177-3AD203B41FA5}">
                       <a16:colId xmlns:a16="http://schemas.microsoft.com/office/drawing/2014/main" val="2219845383"/>
                     </a:ext>
                   </a:extLst>
                 </a:gridCol>
-                <a:gridCol w="237411">
+                <a:gridCol w="235793">
                   <a:extLst>
                     <a:ext uri="{9D8B030D-6E8A-4147-A177-3AD203B41FA5}">
                       <a16:colId xmlns:a16="http://schemas.microsoft.com/office/drawing/2014/main" val="194970081"/>
                     </a:ext>
                   </a:extLst>
                 </a:gridCol>
-                <a:gridCol w="266542">
+                <a:gridCol w="235793">
                   <a:extLst>
                     <a:ext uri="{9D8B030D-6E8A-4147-A177-3AD203B41FA5}">
                       <a16:colId xmlns:a16="http://schemas.microsoft.com/office/drawing/2014/main" val="1935171889"/>
                     </a:ext>
                   </a:extLst>
                 </a:gridCol>
-                <a:gridCol w="208280">
+                <a:gridCol w="235793">
                   <a:extLst>
                     <a:ext uri="{9D8B030D-6E8A-4147-A177-3AD203B41FA5}">
                       <a16:colId xmlns:a16="http://schemas.microsoft.com/office/drawing/2014/main" val="3242123684"/>
                     </a:ext>
                   </a:extLst>
                 </a:gridCol>
-                <a:gridCol w="237411">
+                <a:gridCol w="235793">
                   <a:extLst>
                     <a:ext uri="{9D8B030D-6E8A-4147-A177-3AD203B41FA5}">
                       <a16:colId xmlns:a16="http://schemas.microsoft.com/office/drawing/2014/main" val="1210057126"/>
                     </a:ext>
                   </a:extLst>
                 </a:gridCol>
-                <a:gridCol w="237411">
+                <a:gridCol w="235793">
                   <a:extLst>
                     <a:ext uri="{9D8B030D-6E8A-4147-A177-3AD203B41FA5}">
                       <a16:colId xmlns:a16="http://schemas.microsoft.com/office/drawing/2014/main" val="2799658736"/>
                     </a:ext>
                   </a:extLst>
                 </a:gridCol>
-                <a:gridCol w="266542">
+                <a:gridCol w="235793">
                   <a:extLst>
                     <a:ext uri="{9D8B030D-6E8A-4147-A177-3AD203B41FA5}">
                       <a16:colId xmlns:a16="http://schemas.microsoft.com/office/drawing/2014/main" val="2305439861"/>
                     </a:ext>
                   </a:extLst>
                 </a:gridCol>
-                <a:gridCol w="208280">
+                <a:gridCol w="235793">
                   <a:extLst>
                     <a:ext uri="{9D8B030D-6E8A-4147-A177-3AD203B41FA5}">
                       <a16:colId xmlns:a16="http://schemas.microsoft.com/office/drawing/2014/main" val="2673586579"/>
                     </a:ext>
                   </a:extLst>
                 </a:gridCol>
-                <a:gridCol w="237411">
+                <a:gridCol w="235793">
                   <a:extLst>
                     <a:ext uri="{9D8B030D-6E8A-4147-A177-3AD203B41FA5}">
                       <a16:colId xmlns:a16="http://schemas.microsoft.com/office/drawing/2014/main" val="347145198"/>
                     </a:ext>
                   </a:extLst>
                 </a:gridCol>
-                <a:gridCol w="237411">
+                <a:gridCol w="235793">
                   <a:extLst>
                     <a:ext uri="{9D8B030D-6E8A-4147-A177-3AD203B41FA5}">
                       <a16:colId xmlns:a16="http://schemas.microsoft.com/office/drawing/2014/main" val="3806155372"/>
                     </a:ext>
                   </a:extLst>
                 </a:gridCol>
-                <a:gridCol w="237411">
+                <a:gridCol w="235793">
                   <a:extLst>
                     <a:ext uri="{9D8B030D-6E8A-4147-A177-3AD203B41FA5}">
                       <a16:colId xmlns:a16="http://schemas.microsoft.com/office/drawing/2014/main" val="3996996359"/>
@@ -12802,7 +12802,11 @@
                       <a:endParaRPr lang="ko-KR" altLang="en-US" sz="1200" dirty="0"/>
                     </a:p>
                   </a:txBody>
-                  <a:tcPr marL="0" marR="0" marT="0" marB="0"/>
+                  <a:tcPr marL="0" marR="0" marT="0" marB="0">
+                    <a:solidFill>
+                      <a:schemeClr val="accent4"/>
+                    </a:solidFill>
+                  </a:tcPr>
                 </a:tc>
                 <a:tc>
                   <a:txBody>
@@ -12813,95 +12817,131 @@
                       <a:endParaRPr lang="ko-KR" altLang="en-US" sz="1200" dirty="0"/>
                     </a:p>
                   </a:txBody>
-                  <a:tcPr marL="0" marR="0" marT="0" marB="0"/>
-                </a:tc>
-                <a:tc>
-                  <a:txBody>
-                    <a:bodyPr/>
-                    <a:lstStyle/>
-                    <a:p>
-                      <a:pPr latinLnBrk="1"/>
-                      <a:endParaRPr lang="ko-KR" altLang="en-US" sz="1200"/>
-                    </a:p>
-                  </a:txBody>
-                  <a:tcPr marL="0" marR="0" marT="0" marB="0"/>
-                </a:tc>
-                <a:tc>
-                  <a:txBody>
-                    <a:bodyPr/>
-                    <a:lstStyle/>
-                    <a:p>
-                      <a:pPr latinLnBrk="1"/>
-                      <a:endParaRPr lang="ko-KR" altLang="en-US" sz="1200"/>
-                    </a:p>
-                  </a:txBody>
-                  <a:tcPr marL="0" marR="0" marT="0" marB="0"/>
-                </a:tc>
-                <a:tc>
-                  <a:txBody>
-                    <a:bodyPr/>
-                    <a:lstStyle/>
-                    <a:p>
-                      <a:pPr latinLnBrk="1"/>
-                      <a:endParaRPr lang="ko-KR" altLang="en-US" sz="1200"/>
-                    </a:p>
-                  </a:txBody>
-                  <a:tcPr marL="0" marR="0" marT="0" marB="0"/>
-                </a:tc>
-                <a:tc>
-                  <a:txBody>
-                    <a:bodyPr/>
-                    <a:lstStyle/>
-                    <a:p>
-                      <a:pPr latinLnBrk="1"/>
-                      <a:endParaRPr lang="ko-KR" altLang="en-US" sz="1200"/>
-                    </a:p>
-                  </a:txBody>
-                  <a:tcPr marL="0" marR="0" marT="0" marB="0"/>
-                </a:tc>
-                <a:tc>
-                  <a:txBody>
-                    <a:bodyPr/>
-                    <a:lstStyle/>
-                    <a:p>
-                      <a:pPr latinLnBrk="1"/>
-                      <a:endParaRPr lang="ko-KR" altLang="en-US" sz="1200"/>
-                    </a:p>
-                  </a:txBody>
-                  <a:tcPr marL="0" marR="0" marT="0" marB="0"/>
-                </a:tc>
-                <a:tc>
-                  <a:txBody>
-                    <a:bodyPr/>
-                    <a:lstStyle/>
-                    <a:p>
-                      <a:pPr latinLnBrk="1"/>
-                      <a:endParaRPr lang="ko-KR" altLang="en-US" sz="1200"/>
-                    </a:p>
-                  </a:txBody>
-                  <a:tcPr marL="0" marR="0" marT="0" marB="0"/>
-                </a:tc>
-                <a:tc>
-                  <a:txBody>
-                    <a:bodyPr/>
-                    <a:lstStyle/>
-                    <a:p>
-                      <a:pPr latinLnBrk="1"/>
-                      <a:endParaRPr lang="ko-KR" altLang="en-US" sz="1200"/>
-                    </a:p>
-                  </a:txBody>
-                  <a:tcPr marL="0" marR="0" marT="0" marB="0"/>
-                </a:tc>
-                <a:tc>
-                  <a:txBody>
-                    <a:bodyPr/>
-                    <a:lstStyle/>
-                    <a:p>
-                      <a:pPr latinLnBrk="1"/>
-                      <a:endParaRPr lang="ko-KR" altLang="en-US" sz="1200"/>
-                    </a:p>
-                  </a:txBody>
-                  <a:tcPr marL="0" marR="0" marT="0" marB="0"/>
+                  <a:tcPr marL="0" marR="0" marT="0" marB="0">
+                    <a:solidFill>
+                      <a:schemeClr val="accent4"/>
+                    </a:solidFill>
+                  </a:tcPr>
+                </a:tc>
+                <a:tc>
+                  <a:txBody>
+                    <a:bodyPr/>
+                    <a:lstStyle/>
+                    <a:p>
+                      <a:pPr latinLnBrk="1"/>
+                      <a:endParaRPr lang="ko-KR" altLang="en-US" sz="1200" dirty="0"/>
+                    </a:p>
+                  </a:txBody>
+                  <a:tcPr marL="0" marR="0" marT="0" marB="0">
+                    <a:solidFill>
+                      <a:schemeClr val="bg2"/>
+                    </a:solidFill>
+                  </a:tcPr>
+                </a:tc>
+                <a:tc>
+                  <a:txBody>
+                    <a:bodyPr/>
+                    <a:lstStyle/>
+                    <a:p>
+                      <a:pPr latinLnBrk="1"/>
+                      <a:endParaRPr lang="ko-KR" altLang="en-US" sz="1200"/>
+                    </a:p>
+                  </a:txBody>
+                  <a:tcPr marL="0" marR="0" marT="0" marB="0">
+                    <a:solidFill>
+                      <a:schemeClr val="bg2"/>
+                    </a:solidFill>
+                  </a:tcPr>
+                </a:tc>
+                <a:tc>
+                  <a:txBody>
+                    <a:bodyPr/>
+                    <a:lstStyle/>
+                    <a:p>
+                      <a:pPr latinLnBrk="1"/>
+                      <a:endParaRPr lang="ko-KR" altLang="en-US" sz="1200"/>
+                    </a:p>
+                  </a:txBody>
+                  <a:tcPr marL="0" marR="0" marT="0" marB="0">
+                    <a:solidFill>
+                      <a:schemeClr val="bg2"/>
+                    </a:solidFill>
+                  </a:tcPr>
+                </a:tc>
+                <a:tc>
+                  <a:txBody>
+                    <a:bodyPr/>
+                    <a:lstStyle/>
+                    <a:p>
+                      <a:pPr latinLnBrk="1"/>
+                      <a:endParaRPr lang="ko-KR" altLang="en-US" sz="1200" dirty="0"/>
+                    </a:p>
+                  </a:txBody>
+                  <a:tcPr marL="0" marR="0" marT="0" marB="0">
+                    <a:solidFill>
+                      <a:schemeClr val="bg2"/>
+                    </a:solidFill>
+                  </a:tcPr>
+                </a:tc>
+                <a:tc>
+                  <a:txBody>
+                    <a:bodyPr/>
+                    <a:lstStyle/>
+                    <a:p>
+                      <a:pPr latinLnBrk="1"/>
+                      <a:endParaRPr lang="ko-KR" altLang="en-US" sz="1200"/>
+                    </a:p>
+                  </a:txBody>
+                  <a:tcPr marL="0" marR="0" marT="0" marB="0">
+                    <a:solidFill>
+                      <a:schemeClr val="bg2"/>
+                    </a:solidFill>
+                  </a:tcPr>
+                </a:tc>
+                <a:tc>
+                  <a:txBody>
+                    <a:bodyPr/>
+                    <a:lstStyle/>
+                    <a:p>
+                      <a:pPr latinLnBrk="1"/>
+                      <a:endParaRPr lang="ko-KR" altLang="en-US" sz="1200"/>
+                    </a:p>
+                  </a:txBody>
+                  <a:tcPr marL="0" marR="0" marT="0" marB="0">
+                    <a:solidFill>
+                      <a:schemeClr val="bg2"/>
+                    </a:solidFill>
+                  </a:tcPr>
+                </a:tc>
+                <a:tc>
+                  <a:txBody>
+                    <a:bodyPr/>
+                    <a:lstStyle/>
+                    <a:p>
+                      <a:pPr latinLnBrk="1"/>
+                      <a:endParaRPr lang="ko-KR" altLang="en-US" sz="1200"/>
+                    </a:p>
+                  </a:txBody>
+                  <a:tcPr marL="0" marR="0" marT="0" marB="0">
+                    <a:solidFill>
+                      <a:schemeClr val="bg2"/>
+                    </a:solidFill>
+                  </a:tcPr>
+                </a:tc>
+                <a:tc>
+                  <a:txBody>
+                    <a:bodyPr/>
+                    <a:lstStyle/>
+                    <a:p>
+                      <a:pPr latinLnBrk="1"/>
+                      <a:endParaRPr lang="ko-KR" altLang="en-US" sz="1200" dirty="0"/>
+                    </a:p>
+                  </a:txBody>
+                  <a:tcPr marL="0" marR="0" marT="0" marB="0">
+                    <a:solidFill>
+                      <a:schemeClr val="bg2"/>
+                    </a:solidFill>
+                  </a:tcPr>
                 </a:tc>
                 <a:tc>
                   <a:txBody>
@@ -14041,7 +14081,9 @@
                   </a:txBody>
                   <a:tcPr marL="0" marR="0" marT="0" marB="0">
                     <a:solidFill>
-                      <a:schemeClr val="accent4"/>
+                      <a:schemeClr val="bg2">
+                        <a:lumMod val="90000"/>
+                      </a:schemeClr>
                     </a:solidFill>
                   </a:tcPr>
                 </a:tc>
@@ -14052,6 +14094,250 @@
                     <a:p>
                       <a:pPr latinLnBrk="1"/>
                       <a:endParaRPr lang="ko-KR" altLang="en-US" sz="1200" dirty="0"/>
+                    </a:p>
+                  </a:txBody>
+                  <a:tcPr marL="0" marR="0" marT="0" marB="0">
+                    <a:solidFill>
+                      <a:schemeClr val="bg2">
+                        <a:lumMod val="90000"/>
+                      </a:schemeClr>
+                    </a:solidFill>
+                  </a:tcPr>
+                </a:tc>
+                <a:tc>
+                  <a:txBody>
+                    <a:bodyPr/>
+                    <a:lstStyle/>
+                    <a:p>
+                      <a:pPr latinLnBrk="1"/>
+                      <a:endParaRPr lang="ko-KR" altLang="en-US" sz="1200" dirty="0"/>
+                    </a:p>
+                  </a:txBody>
+                  <a:tcPr marL="0" marR="0" marT="0" marB="0">
+                    <a:solidFill>
+                      <a:schemeClr val="bg2">
+                        <a:lumMod val="90000"/>
+                      </a:schemeClr>
+                    </a:solidFill>
+                  </a:tcPr>
+                </a:tc>
+                <a:tc>
+                  <a:txBody>
+                    <a:bodyPr/>
+                    <a:lstStyle/>
+                    <a:p>
+                      <a:pPr latinLnBrk="1"/>
+                      <a:endParaRPr lang="ko-KR" altLang="en-US" sz="1200" dirty="0"/>
+                    </a:p>
+                  </a:txBody>
+                  <a:tcPr marL="0" marR="0" marT="0" marB="0">
+                    <a:solidFill>
+                      <a:schemeClr val="bg2">
+                        <a:lumMod val="90000"/>
+                      </a:schemeClr>
+                    </a:solidFill>
+                  </a:tcPr>
+                </a:tc>
+                <a:tc>
+                  <a:txBody>
+                    <a:bodyPr/>
+                    <a:lstStyle/>
+                    <a:p>
+                      <a:pPr latinLnBrk="1"/>
+                      <a:endParaRPr lang="ko-KR" altLang="en-US" sz="1200" dirty="0"/>
+                    </a:p>
+                  </a:txBody>
+                  <a:tcPr marL="0" marR="0" marT="0" marB="0">
+                    <a:solidFill>
+                      <a:schemeClr val="bg2">
+                        <a:lumMod val="90000"/>
+                      </a:schemeClr>
+                    </a:solidFill>
+                  </a:tcPr>
+                </a:tc>
+                <a:tc>
+                  <a:txBody>
+                    <a:bodyPr/>
+                    <a:lstStyle/>
+                    <a:p>
+                      <a:pPr latinLnBrk="1"/>
+                      <a:endParaRPr lang="ko-KR" altLang="en-US" sz="1200" dirty="0"/>
+                    </a:p>
+                  </a:txBody>
+                  <a:tcPr marL="0" marR="0" marT="0" marB="0">
+                    <a:solidFill>
+                      <a:schemeClr val="bg2">
+                        <a:lumMod val="90000"/>
+                      </a:schemeClr>
+                    </a:solidFill>
+                  </a:tcPr>
+                </a:tc>
+                <a:tc>
+                  <a:txBody>
+                    <a:bodyPr/>
+                    <a:lstStyle/>
+                    <a:p>
+                      <a:pPr latinLnBrk="1"/>
+                      <a:endParaRPr lang="ko-KR" altLang="en-US" sz="1200" dirty="0"/>
+                    </a:p>
+                  </a:txBody>
+                  <a:tcPr marL="0" marR="0" marT="0" marB="0"/>
+                </a:tc>
+                <a:tc>
+                  <a:txBody>
+                    <a:bodyPr/>
+                    <a:lstStyle/>
+                    <a:p>
+                      <a:pPr latinLnBrk="1"/>
+                      <a:endParaRPr lang="ko-KR" altLang="en-US" sz="1200" dirty="0"/>
+                    </a:p>
+                  </a:txBody>
+                  <a:tcPr marL="0" marR="0" marT="0" marB="0"/>
+                </a:tc>
+                <a:tc>
+                  <a:txBody>
+                    <a:bodyPr/>
+                    <a:lstStyle/>
+                    <a:p>
+                      <a:pPr latinLnBrk="1"/>
+                      <a:endParaRPr lang="ko-KR" altLang="en-US" sz="1200"/>
+                    </a:p>
+                  </a:txBody>
+                  <a:tcPr marL="0" marR="0" marT="0" marB="0"/>
+                </a:tc>
+                <a:tc>
+                  <a:txBody>
+                    <a:bodyPr/>
+                    <a:lstStyle/>
+                    <a:p>
+                      <a:pPr latinLnBrk="1"/>
+                      <a:endParaRPr lang="ko-KR" altLang="en-US" sz="1200" dirty="0"/>
+                    </a:p>
+                  </a:txBody>
+                  <a:tcPr marL="0" marR="0" marT="0" marB="0"/>
+                </a:tc>
+                <a:tc>
+                  <a:txBody>
+                    <a:bodyPr/>
+                    <a:lstStyle/>
+                    <a:p>
+                      <a:pPr latinLnBrk="1"/>
+                      <a:endParaRPr lang="ko-KR" altLang="en-US" sz="1200"/>
+                    </a:p>
+                  </a:txBody>
+                  <a:tcPr marL="0" marR="0" marT="0" marB="0"/>
+                </a:tc>
+                <a:tc>
+                  <a:txBody>
+                    <a:bodyPr/>
+                    <a:lstStyle/>
+                    <a:p>
+                      <a:pPr latinLnBrk="1"/>
+                      <a:endParaRPr lang="ko-KR" altLang="en-US" sz="1200" dirty="0"/>
+                    </a:p>
+                  </a:txBody>
+                  <a:tcPr marL="0" marR="0" marT="0" marB="0"/>
+                </a:tc>
+                <a:tc>
+                  <a:txBody>
+                    <a:bodyPr/>
+                    <a:lstStyle/>
+                    <a:p>
+                      <a:pPr latinLnBrk="1"/>
+                      <a:endParaRPr lang="ko-KR" altLang="en-US" sz="1200"/>
+                    </a:p>
+                  </a:txBody>
+                  <a:tcPr marL="0" marR="0" marT="0" marB="0"/>
+                </a:tc>
+                <a:tc>
+                  <a:txBody>
+                    <a:bodyPr/>
+                    <a:lstStyle/>
+                    <a:p>
+                      <a:pPr latinLnBrk="1"/>
+                      <a:endParaRPr lang="ko-KR" altLang="en-US" sz="1200"/>
+                    </a:p>
+                  </a:txBody>
+                  <a:tcPr marL="0" marR="0" marT="0" marB="0"/>
+                </a:tc>
+                <a:tc>
+                  <a:txBody>
+                    <a:bodyPr/>
+                    <a:lstStyle/>
+                    <a:p>
+                      <a:pPr latinLnBrk="1"/>
+                      <a:endParaRPr lang="ko-KR" altLang="en-US" sz="1200"/>
+                    </a:p>
+                  </a:txBody>
+                  <a:tcPr marL="0" marR="0" marT="0" marB="0"/>
+                </a:tc>
+                <a:tc>
+                  <a:txBody>
+                    <a:bodyPr/>
+                    <a:lstStyle/>
+                    <a:p>
+                      <a:pPr latinLnBrk="1"/>
+                      <a:endParaRPr lang="ko-KR" altLang="en-US" sz="1200" dirty="0"/>
+                    </a:p>
+                  </a:txBody>
+                  <a:tcPr marL="0" marR="0" marT="0" marB="0"/>
+                </a:tc>
+                <a:tc>
+                  <a:txBody>
+                    <a:bodyPr/>
+                    <a:lstStyle/>
+                    <a:p>
+                      <a:pPr latinLnBrk="1"/>
+                      <a:endParaRPr lang="ko-KR" altLang="en-US" sz="1200"/>
+                    </a:p>
+                  </a:txBody>
+                  <a:tcPr marL="0" marR="0" marT="0" marB="0"/>
+                </a:tc>
+                <a:tc>
+                  <a:txBody>
+                    <a:bodyPr/>
+                    <a:lstStyle/>
+                    <a:p>
+                      <a:pPr latinLnBrk="1"/>
+                      <a:endParaRPr lang="ko-KR" altLang="en-US" sz="1200" dirty="0"/>
+                    </a:p>
+                  </a:txBody>
+                  <a:tcPr marL="0" marR="0" marT="0" marB="0">
+                    <a:solidFill>
+                      <a:schemeClr val="bg2">
+                        <a:lumMod val="90000"/>
+                      </a:schemeClr>
+                    </a:solidFill>
+                  </a:tcPr>
+                </a:tc>
+                <a:tc>
+                  <a:txBody>
+                    <a:bodyPr/>
+                    <a:lstStyle/>
+                    <a:p>
+                      <a:pPr latinLnBrk="1"/>
+                      <a:endParaRPr lang="ko-KR" altLang="en-US" sz="1200" dirty="0"/>
+                    </a:p>
+                  </a:txBody>
+                  <a:tcPr marL="0" marR="0" marT="0" marB="0">
+                    <a:solidFill>
+                      <a:schemeClr val="bg2">
+                        <a:lumMod val="90000"/>
+                      </a:schemeClr>
+                    </a:solidFill>
+                  </a:tcPr>
+                </a:tc>
+                <a:tc>
+                  <a:txBody>
+                    <a:bodyPr/>
+                    <a:lstStyle/>
+                    <a:p>
+                      <a:pPr latinLnBrk="1"/>
+                      <a:endParaRPr lang="ko-KR" altLang="en-US" sz="1200" dirty="0">
+                        <a:solidFill>
+                          <a:schemeClr val="accent4"/>
+                        </a:solidFill>
+                      </a:endParaRPr>
                     </a:p>
                   </a:txBody>
                   <a:tcPr marL="0" marR="0" marT="0" marB="0">
@@ -14066,7 +14352,11 @@
                     <a:lstStyle/>
                     <a:p>
                       <a:pPr latinLnBrk="1"/>
-                      <a:endParaRPr lang="ko-KR" altLang="en-US" sz="1200" dirty="0"/>
+                      <a:endParaRPr lang="ko-KR" altLang="en-US" sz="1200">
+                        <a:solidFill>
+                          <a:schemeClr val="accent4"/>
+                        </a:solidFill>
+                      </a:endParaRPr>
                     </a:p>
                   </a:txBody>
                   <a:tcPr marL="0" marR="0" marT="0" marB="0">
@@ -14081,7 +14371,11 @@
                     <a:lstStyle/>
                     <a:p>
                       <a:pPr latinLnBrk="1"/>
-                      <a:endParaRPr lang="ko-KR" altLang="en-US" sz="1200" dirty="0"/>
+                      <a:endParaRPr lang="ko-KR" altLang="en-US" sz="1200" dirty="0">
+                        <a:solidFill>
+                          <a:schemeClr val="accent4"/>
+                        </a:solidFill>
+                      </a:endParaRPr>
                     </a:p>
                   </a:txBody>
                   <a:tcPr marL="0" marR="0" marT="0" marB="0">
@@ -14089,212 +14383,6 @@
                       <a:schemeClr val="accent4"/>
                     </a:solidFill>
                   </a:tcPr>
-                </a:tc>
-                <a:tc>
-                  <a:txBody>
-                    <a:bodyPr/>
-                    <a:lstStyle/>
-                    <a:p>
-                      <a:pPr latinLnBrk="1"/>
-                      <a:endParaRPr lang="ko-KR" altLang="en-US" sz="1200" dirty="0"/>
-                    </a:p>
-                  </a:txBody>
-                  <a:tcPr marL="0" marR="0" marT="0" marB="0">
-                    <a:solidFill>
-                      <a:schemeClr val="accent4"/>
-                    </a:solidFill>
-                  </a:tcPr>
-                </a:tc>
-                <a:tc>
-                  <a:txBody>
-                    <a:bodyPr/>
-                    <a:lstStyle/>
-                    <a:p>
-                      <a:pPr latinLnBrk="1"/>
-                      <a:endParaRPr lang="ko-KR" altLang="en-US" sz="1200" dirty="0"/>
-                    </a:p>
-                  </a:txBody>
-                  <a:tcPr marL="0" marR="0" marT="0" marB="0">
-                    <a:solidFill>
-                      <a:schemeClr val="accent4"/>
-                    </a:solidFill>
-                  </a:tcPr>
-                </a:tc>
-                <a:tc>
-                  <a:txBody>
-                    <a:bodyPr/>
-                    <a:lstStyle/>
-                    <a:p>
-                      <a:pPr latinLnBrk="1"/>
-                      <a:endParaRPr lang="ko-KR" altLang="en-US" sz="1200" dirty="0"/>
-                    </a:p>
-                  </a:txBody>
-                  <a:tcPr marL="0" marR="0" marT="0" marB="0"/>
-                </a:tc>
-                <a:tc>
-                  <a:txBody>
-                    <a:bodyPr/>
-                    <a:lstStyle/>
-                    <a:p>
-                      <a:pPr latinLnBrk="1"/>
-                      <a:endParaRPr lang="ko-KR" altLang="en-US" sz="1200" dirty="0"/>
-                    </a:p>
-                  </a:txBody>
-                  <a:tcPr marL="0" marR="0" marT="0" marB="0"/>
-                </a:tc>
-                <a:tc>
-                  <a:txBody>
-                    <a:bodyPr/>
-                    <a:lstStyle/>
-                    <a:p>
-                      <a:pPr latinLnBrk="1"/>
-                      <a:endParaRPr lang="ko-KR" altLang="en-US" sz="1200"/>
-                    </a:p>
-                  </a:txBody>
-                  <a:tcPr marL="0" marR="0" marT="0" marB="0"/>
-                </a:tc>
-                <a:tc>
-                  <a:txBody>
-                    <a:bodyPr/>
-                    <a:lstStyle/>
-                    <a:p>
-                      <a:pPr latinLnBrk="1"/>
-                      <a:endParaRPr lang="ko-KR" altLang="en-US" sz="1200" dirty="0"/>
-                    </a:p>
-                  </a:txBody>
-                  <a:tcPr marL="0" marR="0" marT="0" marB="0"/>
-                </a:tc>
-                <a:tc>
-                  <a:txBody>
-                    <a:bodyPr/>
-                    <a:lstStyle/>
-                    <a:p>
-                      <a:pPr latinLnBrk="1"/>
-                      <a:endParaRPr lang="ko-KR" altLang="en-US" sz="1200"/>
-                    </a:p>
-                  </a:txBody>
-                  <a:tcPr marL="0" marR="0" marT="0" marB="0"/>
-                </a:tc>
-                <a:tc>
-                  <a:txBody>
-                    <a:bodyPr/>
-                    <a:lstStyle/>
-                    <a:p>
-                      <a:pPr latinLnBrk="1"/>
-                      <a:endParaRPr lang="ko-KR" altLang="en-US" sz="1200" dirty="0"/>
-                    </a:p>
-                  </a:txBody>
-                  <a:tcPr marL="0" marR="0" marT="0" marB="0"/>
-                </a:tc>
-                <a:tc>
-                  <a:txBody>
-                    <a:bodyPr/>
-                    <a:lstStyle/>
-                    <a:p>
-                      <a:pPr latinLnBrk="1"/>
-                      <a:endParaRPr lang="ko-KR" altLang="en-US" sz="1200"/>
-                    </a:p>
-                  </a:txBody>
-                  <a:tcPr marL="0" marR="0" marT="0" marB="0"/>
-                </a:tc>
-                <a:tc>
-                  <a:txBody>
-                    <a:bodyPr/>
-                    <a:lstStyle/>
-                    <a:p>
-                      <a:pPr latinLnBrk="1"/>
-                      <a:endParaRPr lang="ko-KR" altLang="en-US" sz="1200"/>
-                    </a:p>
-                  </a:txBody>
-                  <a:tcPr marL="0" marR="0" marT="0" marB="0"/>
-                </a:tc>
-                <a:tc>
-                  <a:txBody>
-                    <a:bodyPr/>
-                    <a:lstStyle/>
-                    <a:p>
-                      <a:pPr latinLnBrk="1"/>
-                      <a:endParaRPr lang="ko-KR" altLang="en-US" sz="1200"/>
-                    </a:p>
-                  </a:txBody>
-                  <a:tcPr marL="0" marR="0" marT="0" marB="0"/>
-                </a:tc>
-                <a:tc>
-                  <a:txBody>
-                    <a:bodyPr/>
-                    <a:lstStyle/>
-                    <a:p>
-                      <a:pPr latinLnBrk="1"/>
-                      <a:endParaRPr lang="ko-KR" altLang="en-US" sz="1200"/>
-                    </a:p>
-                  </a:txBody>
-                  <a:tcPr marL="0" marR="0" marT="0" marB="0"/>
-                </a:tc>
-                <a:tc>
-                  <a:txBody>
-                    <a:bodyPr/>
-                    <a:lstStyle/>
-                    <a:p>
-                      <a:pPr latinLnBrk="1"/>
-                      <a:endParaRPr lang="ko-KR" altLang="en-US" sz="1200"/>
-                    </a:p>
-                  </a:txBody>
-                  <a:tcPr marL="0" marR="0" marT="0" marB="0"/>
-                </a:tc>
-                <a:tc>
-                  <a:txBody>
-                    <a:bodyPr/>
-                    <a:lstStyle/>
-                    <a:p>
-                      <a:pPr latinLnBrk="1"/>
-                      <a:endParaRPr lang="ko-KR" altLang="en-US" sz="1200"/>
-                    </a:p>
-                  </a:txBody>
-                  <a:tcPr marL="0" marR="0" marT="0" marB="0"/>
-                </a:tc>
-                <a:tc>
-                  <a:txBody>
-                    <a:bodyPr/>
-                    <a:lstStyle/>
-                    <a:p>
-                      <a:pPr latinLnBrk="1"/>
-                      <a:endParaRPr lang="ko-KR" altLang="en-US" sz="1200"/>
-                    </a:p>
-                  </a:txBody>
-                  <a:tcPr marL="0" marR="0" marT="0" marB="0"/>
-                </a:tc>
-                <a:tc>
-                  <a:txBody>
-                    <a:bodyPr/>
-                    <a:lstStyle/>
-                    <a:p>
-                      <a:pPr latinLnBrk="1"/>
-                      <a:endParaRPr lang="ko-KR" altLang="en-US" sz="1200"/>
-                    </a:p>
-                  </a:txBody>
-                  <a:tcPr marL="0" marR="0" marT="0" marB="0"/>
-                </a:tc>
-                <a:tc>
-                  <a:txBody>
-                    <a:bodyPr/>
-                    <a:lstStyle/>
-                    <a:p>
-                      <a:pPr latinLnBrk="1"/>
-                      <a:endParaRPr lang="ko-KR" altLang="en-US" sz="1200"/>
-                    </a:p>
-                  </a:txBody>
-                  <a:tcPr marL="0" marR="0" marT="0" marB="0"/>
-                </a:tc>
-                <a:tc>
-                  <a:txBody>
-                    <a:bodyPr/>
-                    <a:lstStyle/>
-                    <a:p>
-                      <a:pPr latinLnBrk="1"/>
-                      <a:endParaRPr lang="ko-KR" altLang="en-US" sz="1200"/>
-                    </a:p>
-                  </a:txBody>
-                  <a:tcPr marL="0" marR="0" marT="0" marB="0"/>
                 </a:tc>
                 <a:tc>
                   <a:txBody>
@@ -14551,7 +14639,7 @@
                   </a:txBody>
                   <a:tcPr marL="0" marR="0" marT="0" marB="0">
                     <a:solidFill>
-                      <a:schemeClr val="accent4"/>
+                      <a:schemeClr val="bg2"/>
                     </a:solidFill>
                   </a:tcPr>
                 </a:tc>
@@ -14566,7 +14654,7 @@
                   </a:txBody>
                   <a:tcPr marL="0" marR="0" marT="0" marB="0">
                     <a:solidFill>
-                      <a:schemeClr val="accent4"/>
+                      <a:schemeClr val="bg2"/>
                     </a:solidFill>
                   </a:tcPr>
                 </a:tc>
@@ -14656,20 +14744,9 @@
                       <a:endParaRPr lang="ko-KR" altLang="en-US" sz="1200" dirty="0"/>
                     </a:p>
                   </a:txBody>
-                  <a:tcPr marL="0" marR="0" marT="0" marB="0"/>
-                </a:tc>
-                <a:tc>
-                  <a:txBody>
-                    <a:bodyPr/>
-                    <a:lstStyle/>
-                    <a:p>
-                      <a:pPr latinLnBrk="1"/>
-                      <a:endParaRPr lang="ko-KR" altLang="en-US" sz="1200" dirty="0"/>
-                    </a:p>
-                  </a:txBody>
                   <a:tcPr marL="0" marR="0" marT="0" marB="0">
                     <a:solidFill>
-                      <a:schemeClr val="accent6"/>
+                      <a:schemeClr val="bg2"/>
                     </a:solidFill>
                   </a:tcPr>
                 </a:tc>
@@ -14684,7 +14761,7 @@
                   </a:txBody>
                   <a:tcPr marL="0" marR="0" marT="0" marB="0">
                     <a:solidFill>
-                      <a:schemeClr val="accent6"/>
+                      <a:schemeClr val="bg2"/>
                     </a:solidFill>
                   </a:tcPr>
                 </a:tc>
@@ -14694,21 +14771,44 @@
                     <a:lstStyle/>
                     <a:p>
                       <a:pPr latinLnBrk="1"/>
-                      <a:endParaRPr lang="ko-KR" altLang="en-US" sz="1200"/>
-                    </a:p>
-                  </a:txBody>
-                  <a:tcPr marL="0" marR="0" marT="0" marB="0"/>
-                </a:tc>
-                <a:tc>
-                  <a:txBody>
-                    <a:bodyPr/>
-                    <a:lstStyle/>
-                    <a:p>
-                      <a:pPr latinLnBrk="1"/>
-                      <a:endParaRPr lang="ko-KR" altLang="en-US" sz="1200"/>
-                    </a:p>
-                  </a:txBody>
-                  <a:tcPr marL="0" marR="0" marT="0" marB="0"/>
+                      <a:endParaRPr lang="ko-KR" altLang="en-US" sz="1200" dirty="0"/>
+                    </a:p>
+                  </a:txBody>
+                  <a:tcPr marL="0" marR="0" marT="0" marB="0">
+                    <a:solidFill>
+                      <a:schemeClr val="bg2"/>
+                    </a:solidFill>
+                  </a:tcPr>
+                </a:tc>
+                <a:tc>
+                  <a:txBody>
+                    <a:bodyPr/>
+                    <a:lstStyle/>
+                    <a:p>
+                      <a:pPr latinLnBrk="1"/>
+                      <a:endParaRPr lang="ko-KR" altLang="en-US" sz="1200" dirty="0"/>
+                    </a:p>
+                  </a:txBody>
+                  <a:tcPr marL="0" marR="0" marT="0" marB="0">
+                    <a:solidFill>
+                      <a:schemeClr val="bg2"/>
+                    </a:solidFill>
+                  </a:tcPr>
+                </a:tc>
+                <a:tc>
+                  <a:txBody>
+                    <a:bodyPr/>
+                    <a:lstStyle/>
+                    <a:p>
+                      <a:pPr latinLnBrk="1"/>
+                      <a:endParaRPr lang="ko-KR" altLang="en-US" sz="1200" dirty="0"/>
+                    </a:p>
+                  </a:txBody>
+                  <a:tcPr marL="0" marR="0" marT="0" marB="0">
+                    <a:solidFill>
+                      <a:schemeClr val="bg2"/>
+                    </a:solidFill>
+                  </a:tcPr>
                 </a:tc>
                 <a:tc>
                   <a:txBody>
@@ -14892,19 +14992,26 @@
                   </a:ext>
                 </a:extLst>
               </a:tr>
-              <a:tr h="182280">
+              <a:tr h="182880">
                 <a:tc>
                   <a:txBody>
                     <a:bodyPr/>
                     <a:lstStyle/>
                     <a:p>
                       <a:pPr algn="ctr" latinLnBrk="1"/>
+                      <a:r>
+                        <a:rPr lang="ko-KR" altLang="en-US" sz="1000" dirty="0" err="1">
+                          <a:latin typeface="맑은 고딕" panose="020B0503020000020004" pitchFamily="50" charset="-127"/>
+                          <a:ea typeface="맑은 고딕" panose="020B0503020000020004" pitchFamily="50" charset="-127"/>
+                        </a:rPr>
+                        <a:t>디퍼드</a:t>
+                      </a:r>
                       <a:r>
                         <a:rPr lang="ko-KR" altLang="en-US" sz="1000" dirty="0">
                           <a:latin typeface="맑은 고딕" panose="020B0503020000020004" pitchFamily="50" charset="-127"/>
                           <a:ea typeface="맑은 고딕" panose="020B0503020000020004" pitchFamily="50" charset="-127"/>
                         </a:rPr>
-                        <a:t>동물 행동패턴 구현</a:t>
+                        <a:t> 렌더링</a:t>
                       </a:r>
                     </a:p>
                   </a:txBody>
@@ -14983,6 +15090,44 @@
                     <a:p>
                       <a:pPr latinLnBrk="1"/>
                       <a:endParaRPr lang="ko-KR" altLang="en-US" sz="1200" dirty="0"/>
+                    </a:p>
+                  </a:txBody>
+                  <a:tcPr marL="0" marR="0" marT="0" marB="0">
+                    <a:solidFill>
+                      <a:schemeClr val="bg2">
+                        <a:lumMod val="90000"/>
+                      </a:schemeClr>
+                    </a:solidFill>
+                  </a:tcPr>
+                </a:tc>
+                <a:tc>
+                  <a:txBody>
+                    <a:bodyPr/>
+                    <a:lstStyle/>
+                    <a:p>
+                      <a:pPr latinLnBrk="1"/>
+                      <a:endParaRPr lang="ko-KR" altLang="en-US" sz="1200" dirty="0"/>
+                    </a:p>
+                  </a:txBody>
+                  <a:tcPr marL="0" marR="0" marT="0" marB="0">
+                    <a:solidFill>
+                      <a:schemeClr val="bg2">
+                        <a:lumMod val="90000"/>
+                      </a:schemeClr>
+                    </a:solidFill>
+                  </a:tcPr>
+                </a:tc>
+                <a:tc>
+                  <a:txBody>
+                    <a:bodyPr/>
+                    <a:lstStyle/>
+                    <a:p>
+                      <a:pPr latinLnBrk="1"/>
+                      <a:endParaRPr lang="ko-KR" altLang="en-US" sz="1200" dirty="0">
+                        <a:solidFill>
+                          <a:schemeClr val="accent4"/>
+                        </a:solidFill>
+                      </a:endParaRPr>
                     </a:p>
                   </a:txBody>
                   <a:tcPr marL="0" marR="0" marT="0" marB="0">
@@ -14997,7 +15142,11 @@
                     <a:lstStyle/>
                     <a:p>
                       <a:pPr latinLnBrk="1"/>
-                      <a:endParaRPr lang="ko-KR" altLang="en-US" sz="1200" dirty="0"/>
+                      <a:endParaRPr lang="ko-KR" altLang="en-US" sz="1200">
+                        <a:solidFill>
+                          <a:schemeClr val="accent4"/>
+                        </a:solidFill>
+                      </a:endParaRPr>
                     </a:p>
                   </a:txBody>
                   <a:tcPr marL="0" marR="0" marT="0" marB="0">
@@ -15012,7 +15161,11 @@
                     <a:lstStyle/>
                     <a:p>
                       <a:pPr latinLnBrk="1"/>
-                      <a:endParaRPr lang="ko-KR" altLang="en-US" sz="1200" dirty="0"/>
+                      <a:endParaRPr lang="ko-KR" altLang="en-US" sz="1200" dirty="0">
+                        <a:solidFill>
+                          <a:schemeClr val="accent4"/>
+                        </a:solidFill>
+                      </a:endParaRPr>
                     </a:p>
                   </a:txBody>
                   <a:tcPr marL="0" marR="0" marT="0" marB="0">
@@ -15027,10 +15180,113 @@
                     <a:lstStyle/>
                     <a:p>
                       <a:pPr latinLnBrk="1"/>
-                      <a:endParaRPr lang="ko-KR" altLang="en-US" sz="1200"/>
-                    </a:p>
-                  </a:txBody>
-                  <a:tcPr marL="0" marR="0" marT="0" marB="0"/>
+                      <a:endParaRPr lang="ko-KR" altLang="en-US" sz="1200" dirty="0">
+                        <a:solidFill>
+                          <a:schemeClr val="accent4"/>
+                        </a:solidFill>
+                      </a:endParaRPr>
+                    </a:p>
+                  </a:txBody>
+                  <a:tcPr marL="0" marR="0" marT="0" marB="0">
+                    <a:solidFill>
+                      <a:schemeClr val="accent4"/>
+                    </a:solidFill>
+                  </a:tcPr>
+                </a:tc>
+                <a:tc>
+                  <a:txBody>
+                    <a:bodyPr/>
+                    <a:lstStyle/>
+                    <a:p>
+                      <a:pPr latinLnBrk="1"/>
+                      <a:endParaRPr lang="ko-KR" altLang="en-US" sz="1200" dirty="0">
+                        <a:solidFill>
+                          <a:schemeClr val="accent4"/>
+                        </a:solidFill>
+                      </a:endParaRPr>
+                    </a:p>
+                  </a:txBody>
+                  <a:tcPr marL="0" marR="0" marT="0" marB="0">
+                    <a:solidFill>
+                      <a:schemeClr val="accent4"/>
+                    </a:solidFill>
+                  </a:tcPr>
+                </a:tc>
+                <a:tc>
+                  <a:txBody>
+                    <a:bodyPr/>
+                    <a:lstStyle/>
+                    <a:p>
+                      <a:pPr latinLnBrk="1"/>
+                      <a:endParaRPr lang="ko-KR" altLang="en-US" sz="1200">
+                        <a:solidFill>
+                          <a:schemeClr val="accent4"/>
+                        </a:solidFill>
+                      </a:endParaRPr>
+                    </a:p>
+                  </a:txBody>
+                  <a:tcPr marL="0" marR="0" marT="0" marB="0">
+                    <a:solidFill>
+                      <a:schemeClr val="accent4"/>
+                    </a:solidFill>
+                  </a:tcPr>
+                </a:tc>
+                <a:tc>
+                  <a:txBody>
+                    <a:bodyPr/>
+                    <a:lstStyle/>
+                    <a:p>
+                      <a:pPr latinLnBrk="1"/>
+                      <a:endParaRPr lang="ko-KR" altLang="en-US" sz="1200">
+                        <a:solidFill>
+                          <a:schemeClr val="accent4"/>
+                        </a:solidFill>
+                      </a:endParaRPr>
+                    </a:p>
+                  </a:txBody>
+                  <a:tcPr marL="0" marR="0" marT="0" marB="0">
+                    <a:solidFill>
+                      <a:schemeClr val="accent4"/>
+                    </a:solidFill>
+                  </a:tcPr>
+                </a:tc>
+                <a:tc>
+                  <a:txBody>
+                    <a:bodyPr/>
+                    <a:lstStyle/>
+                    <a:p>
+                      <a:pPr latinLnBrk="1"/>
+                      <a:endParaRPr lang="ko-KR" altLang="en-US" sz="1200" dirty="0">
+                        <a:solidFill>
+                          <a:schemeClr val="accent4"/>
+                        </a:solidFill>
+                      </a:endParaRPr>
+                    </a:p>
+                  </a:txBody>
+                  <a:tcPr marL="0" marR="0" marT="0" marB="0">
+                    <a:solidFill>
+                      <a:schemeClr val="accent4"/>
+                    </a:solidFill>
+                  </a:tcPr>
+                </a:tc>
+                <a:tc>
+                  <a:txBody>
+                    <a:bodyPr/>
+                    <a:lstStyle/>
+                    <a:p>
+                      <a:pPr latinLnBrk="1"/>
+                      <a:endParaRPr lang="ko-KR" altLang="en-US" sz="1200" dirty="0">
+                        <a:solidFill>
+                          <a:schemeClr val="accent4"/>
+                        </a:solidFill>
+                      </a:endParaRPr>
+                    </a:p>
+                  </a:txBody>
+                  <a:tcPr marL="0" marR="0" marT="0" marB="0">
+                    <a:solidFill>
+                      <a:schemeClr val="accent4"/>
+                    </a:solidFill>
+                  </a:tcPr>
                 </a:tc>
                 <a:tc>
                   <a:txBody>
@@ -15039,83 +15295,6 @@
                     <a:p>
                       <a:pPr latinLnBrk="1"/>
                       <a:endParaRPr lang="ko-KR" altLang="en-US" sz="1200" dirty="0"/>
-                    </a:p>
-                  </a:txBody>
-                  <a:tcPr marL="0" marR="0" marT="0" marB="0"/>
-                </a:tc>
-                <a:tc>
-                  <a:txBody>
-                    <a:bodyPr/>
-                    <a:lstStyle/>
-                    <a:p>
-                      <a:pPr latinLnBrk="1"/>
-                      <a:endParaRPr lang="ko-KR" altLang="en-US" sz="1200"/>
-                    </a:p>
-                  </a:txBody>
-                  <a:tcPr marL="0" marR="0" marT="0" marB="0"/>
-                </a:tc>
-                <a:tc>
-                  <a:txBody>
-                    <a:bodyPr/>
-                    <a:lstStyle/>
-                    <a:p>
-                      <a:pPr latinLnBrk="1"/>
-                      <a:endParaRPr lang="ko-KR" altLang="en-US" sz="1200"/>
-                    </a:p>
-                  </a:txBody>
-                  <a:tcPr marL="0" marR="0" marT="0" marB="0"/>
-                </a:tc>
-                <a:tc>
-                  <a:txBody>
-                    <a:bodyPr/>
-                    <a:lstStyle/>
-                    <a:p>
-                      <a:pPr latinLnBrk="1"/>
-                      <a:endParaRPr lang="ko-KR" altLang="en-US" sz="1200"/>
-                    </a:p>
-                  </a:txBody>
-                  <a:tcPr marL="0" marR="0" marT="0" marB="0"/>
-                </a:tc>
-                <a:tc>
-                  <a:txBody>
-                    <a:bodyPr/>
-                    <a:lstStyle/>
-                    <a:p>
-                      <a:pPr latinLnBrk="1"/>
-                      <a:endParaRPr lang="ko-KR" altLang="en-US" sz="1200"/>
-                    </a:p>
-                  </a:txBody>
-                  <a:tcPr marL="0" marR="0" marT="0" marB="0"/>
-                </a:tc>
-                <a:tc>
-                  <a:txBody>
-                    <a:bodyPr/>
-                    <a:lstStyle/>
-                    <a:p>
-                      <a:pPr latinLnBrk="1"/>
-                      <a:endParaRPr lang="ko-KR" altLang="en-US" sz="1200"/>
-                    </a:p>
-                  </a:txBody>
-                  <a:tcPr marL="0" marR="0" marT="0" marB="0"/>
-                </a:tc>
-                <a:tc>
-                  <a:txBody>
-                    <a:bodyPr/>
-                    <a:lstStyle/>
-                    <a:p>
-                      <a:pPr latinLnBrk="1"/>
-                      <a:endParaRPr lang="ko-KR" altLang="en-US" sz="1200"/>
-                    </a:p>
-                  </a:txBody>
-                  <a:tcPr marL="0" marR="0" marT="0" marB="0"/>
-                </a:tc>
-                <a:tc>
-                  <a:txBody>
-                    <a:bodyPr/>
-                    <a:lstStyle/>
-                    <a:p>
-                      <a:pPr latinLnBrk="1"/>
-                      <a:endParaRPr lang="ko-KR" altLang="en-US" sz="1200"/>
                     </a:p>
                   </a:txBody>
                   <a:tcPr marL="0" marR="0" marT="0" marB="0"/>
@@ -15324,25 +15503,32 @@
                   </a:ext>
                 </a:extLst>
               </a:tr>
-              <a:tr h="182280">
-                <a:tc>
+              <a:tr h="0">
+                <a:tc rowSpan="2">
                   <a:txBody>
                     <a:bodyPr/>
                     <a:lstStyle/>
                     <a:p>
                       <a:pPr algn="ctr" latinLnBrk="1"/>
+                      <a:r>
+                        <a:rPr lang="ko-KR" altLang="en-US" sz="1000" strike="noStrike" dirty="0" err="1">
+                          <a:latin typeface="맑은 고딕" panose="020B0503020000020004" pitchFamily="50" charset="-127"/>
+                          <a:ea typeface="맑은 고딕" panose="020B0503020000020004" pitchFamily="50" charset="-127"/>
+                        </a:rPr>
+                        <a:t>파티클</a:t>
+                      </a:r>
                       <a:r>
                         <a:rPr lang="ko-KR" altLang="en-US" sz="1000" strike="noStrike" dirty="0">
                           <a:latin typeface="맑은 고딕" panose="020B0503020000020004" pitchFamily="50" charset="-127"/>
                           <a:ea typeface="맑은 고딕" panose="020B0503020000020004" pitchFamily="50" charset="-127"/>
                         </a:rPr>
-                        <a:t>비선공형 동물 구현</a:t>
+                        <a:t> 시스템</a:t>
                       </a:r>
                     </a:p>
                   </a:txBody>
                   <a:tcPr marL="0" marR="0" marT="0" marB="0" anchor="ctr"/>
                 </a:tc>
-                <a:tc>
+                <a:tc rowSpan="2">
                   <a:txBody>
                     <a:bodyPr/>
                     <a:lstStyle/>
@@ -15353,7 +15539,7 @@
                   </a:txBody>
                   <a:tcPr marL="0" marR="0" marT="0" marB="0"/>
                 </a:tc>
-                <a:tc>
+                <a:tc rowSpan="2">
                   <a:txBody>
                     <a:bodyPr/>
                     <a:lstStyle/>
@@ -15364,7 +15550,7 @@
                   </a:txBody>
                   <a:tcPr marL="0" marR="0" marT="0" marB="0"/>
                 </a:tc>
-                <a:tc>
+                <a:tc rowSpan="2">
                   <a:txBody>
                     <a:bodyPr/>
                     <a:lstStyle/>
@@ -15375,7 +15561,7 @@
                   </a:txBody>
                   <a:tcPr marL="0" marR="0" marT="0" marB="0"/>
                 </a:tc>
-                <a:tc>
+                <a:tc rowSpan="2">
                   <a:txBody>
                     <a:bodyPr/>
                     <a:lstStyle/>
@@ -15386,7 +15572,7 @@
                   </a:txBody>
                   <a:tcPr marL="0" marR="0" marT="0" marB="0"/>
                 </a:tc>
-                <a:tc>
+                <a:tc rowSpan="2">
                   <a:txBody>
                     <a:bodyPr/>
                     <a:lstStyle/>
@@ -15397,7 +15583,7 @@
                   </a:txBody>
                   <a:tcPr marL="0" marR="0" marT="0" marB="0"/>
                 </a:tc>
-                <a:tc>
+                <a:tc rowSpan="2">
                   <a:txBody>
                     <a:bodyPr/>
                     <a:lstStyle/>
@@ -15408,7 +15594,7 @@
                   </a:txBody>
                   <a:tcPr marL="0" marR="0" marT="0" marB="0"/>
                 </a:tc>
-                <a:tc>
+                <a:tc rowSpan="2">
                   <a:txBody>
                     <a:bodyPr/>
                     <a:lstStyle/>
@@ -15419,7 +15605,7 @@
                   </a:txBody>
                   <a:tcPr marL="0" marR="0" marT="0" marB="0"/>
                 </a:tc>
-                <a:tc>
+                <a:tc rowSpan="2">
                   <a:txBody>
                     <a:bodyPr/>
                     <a:lstStyle/>
@@ -15430,24 +15616,109 @@
                   </a:txBody>
                   <a:tcPr marL="0" marR="0" marT="0" marB="0"/>
                 </a:tc>
-                <a:tc>
-                  <a:txBody>
-                    <a:bodyPr/>
-                    <a:lstStyle/>
-                    <a:p>
-                      <a:pPr latinLnBrk="1"/>
-                      <a:endParaRPr lang="ko-KR" altLang="en-US" sz="1200"/>
-                    </a:p>
-                  </a:txBody>
-                  <a:tcPr marL="0" marR="0" marT="0" marB="0"/>
-                </a:tc>
-                <a:tc>
+                <a:tc rowSpan="2">
+                  <a:txBody>
+                    <a:bodyPr/>
+                    <a:lstStyle/>
+                    <a:p>
+                      <a:pPr latinLnBrk="1"/>
+                      <a:endParaRPr lang="ko-KR" altLang="en-US" sz="1200"/>
+                    </a:p>
+                  </a:txBody>
+                  <a:tcPr marL="0" marR="0" marT="0" marB="0"/>
+                </a:tc>
+                <a:tc rowSpan="2">
                   <a:txBody>
                     <a:bodyPr/>
                     <a:lstStyle/>
                     <a:p>
                       <a:pPr latinLnBrk="1"/>
                       <a:endParaRPr lang="ko-KR" altLang="en-US" sz="1200" dirty="0"/>
+                    </a:p>
+                  </a:txBody>
+                  <a:tcPr marL="0" marR="0" marT="0" marB="0">
+                    <a:solidFill>
+                      <a:schemeClr val="bg2"/>
+                    </a:solidFill>
+                  </a:tcPr>
+                </a:tc>
+                <a:tc rowSpan="2">
+                  <a:txBody>
+                    <a:bodyPr/>
+                    <a:lstStyle/>
+                    <a:p>
+                      <a:pPr latinLnBrk="1"/>
+                      <a:endParaRPr lang="ko-KR" altLang="en-US" sz="1200" dirty="0"/>
+                    </a:p>
+                  </a:txBody>
+                  <a:tcPr marL="0" marR="0" marT="0" marB="0">
+                    <a:solidFill>
+                      <a:schemeClr val="bg2"/>
+                    </a:solidFill>
+                  </a:tcPr>
+                </a:tc>
+                <a:tc rowSpan="2">
+                  <a:txBody>
+                    <a:bodyPr/>
+                    <a:lstStyle/>
+                    <a:p>
+                      <a:pPr latinLnBrk="1"/>
+                      <a:endParaRPr lang="ko-KR" altLang="en-US" sz="1200"/>
+                    </a:p>
+                  </a:txBody>
+                  <a:tcPr marL="0" marR="0" marT="0" marB="0"/>
+                </a:tc>
+                <a:tc rowSpan="2">
+                  <a:txBody>
+                    <a:bodyPr/>
+                    <a:lstStyle/>
+                    <a:p>
+                      <a:pPr latinLnBrk="1"/>
+                      <a:endParaRPr lang="ko-KR" altLang="en-US" sz="1200" dirty="0"/>
+                    </a:p>
+                  </a:txBody>
+                  <a:tcPr marL="0" marR="0" marT="0" marB="0"/>
+                </a:tc>
+                <a:tc rowSpan="2">
+                  <a:txBody>
+                    <a:bodyPr/>
+                    <a:lstStyle/>
+                    <a:p>
+                      <a:pPr latinLnBrk="1"/>
+                      <a:endParaRPr lang="ko-KR" altLang="en-US" sz="1200" dirty="0"/>
+                    </a:p>
+                  </a:txBody>
+                  <a:tcPr marL="0" marR="0" marT="0" marB="0"/>
+                </a:tc>
+                <a:tc rowSpan="2">
+                  <a:txBody>
+                    <a:bodyPr/>
+                    <a:lstStyle/>
+                    <a:p>
+                      <a:pPr latinLnBrk="1"/>
+                      <a:endParaRPr lang="ko-KR" altLang="en-US" sz="1200" dirty="0"/>
+                    </a:p>
+                  </a:txBody>
+                  <a:tcPr marL="0" marR="0" marT="0" marB="0"/>
+                </a:tc>
+                <a:tc rowSpan="2">
+                  <a:txBody>
+                    <a:bodyPr/>
+                    <a:lstStyle/>
+                    <a:p>
+                      <a:pPr latinLnBrk="1"/>
+                      <a:endParaRPr lang="ko-KR" altLang="en-US" sz="1200" dirty="0"/>
+                    </a:p>
+                  </a:txBody>
+                  <a:tcPr marL="0" marR="0" marT="0" marB="0"/>
+                </a:tc>
+                <a:tc>
+                  <a:txBody>
+                    <a:bodyPr/>
+                    <a:lstStyle/>
+                    <a:p>
+                      <a:pPr latinLnBrk="1"/>
+                      <a:endParaRPr lang="ko-KR" altLang="en-US" sz="600" dirty="0"/>
                     </a:p>
                   </a:txBody>
                   <a:tcPr marL="0" marR="0" marT="0" marB="0">
@@ -15462,78 +15733,83 @@
                     <a:lstStyle/>
                     <a:p>
                       <a:pPr latinLnBrk="1"/>
-                      <a:endParaRPr lang="ko-KR" altLang="en-US" sz="1200"/>
-                    </a:p>
-                  </a:txBody>
-                  <a:tcPr marL="0" marR="0" marT="0" marB="0"/>
-                </a:tc>
-                <a:tc>
-                  <a:txBody>
-                    <a:bodyPr/>
-                    <a:lstStyle/>
-                    <a:p>
-                      <a:pPr latinLnBrk="1"/>
-                      <a:endParaRPr lang="ko-KR" altLang="en-US" sz="1200"/>
-                    </a:p>
-                  </a:txBody>
-                  <a:tcPr marL="0" marR="0" marT="0" marB="0"/>
-                </a:tc>
-                <a:tc>
-                  <a:txBody>
-                    <a:bodyPr/>
-                    <a:lstStyle/>
-                    <a:p>
-                      <a:pPr latinLnBrk="1"/>
-                      <a:endParaRPr lang="ko-KR" altLang="en-US" sz="1200"/>
-                    </a:p>
-                  </a:txBody>
-                  <a:tcPr marL="0" marR="0" marT="0" marB="0"/>
-                </a:tc>
-                <a:tc>
-                  <a:txBody>
-                    <a:bodyPr/>
-                    <a:lstStyle/>
-                    <a:p>
-                      <a:pPr latinLnBrk="1"/>
-                      <a:endParaRPr lang="ko-KR" altLang="en-US" sz="1200"/>
-                    </a:p>
-                  </a:txBody>
-                  <a:tcPr marL="0" marR="0" marT="0" marB="0"/>
-                </a:tc>
-                <a:tc>
-                  <a:txBody>
-                    <a:bodyPr/>
-                    <a:lstStyle/>
-                    <a:p>
-                      <a:pPr latinLnBrk="1"/>
-                      <a:endParaRPr lang="ko-KR" altLang="en-US" sz="1200"/>
-                    </a:p>
-                  </a:txBody>
-                  <a:tcPr marL="0" marR="0" marT="0" marB="0"/>
-                </a:tc>
-                <a:tc>
-                  <a:txBody>
-                    <a:bodyPr/>
-                    <a:lstStyle/>
-                    <a:p>
-                      <a:pPr latinLnBrk="1"/>
-                      <a:endParaRPr lang="ko-KR" altLang="en-US" sz="1200"/>
-                    </a:p>
-                  </a:txBody>
-                  <a:tcPr marL="0" marR="0" marT="0" marB="0"/>
-                </a:tc>
-                <a:tc>
-                  <a:txBody>
-                    <a:bodyPr/>
-                    <a:lstStyle/>
-                    <a:p>
-                      <a:pPr latinLnBrk="1"/>
-                      <a:endParaRPr lang="ko-KR" altLang="en-US" sz="1200"/>
-                    </a:p>
-                  </a:txBody>
-                  <a:tcPr marL="0" marR="0" marT="0" marB="0"/>
-                </a:tc>
-                <a:tc>
+                      <a:endParaRPr lang="ko-KR" altLang="en-US" sz="600" dirty="0">
+                        <a:solidFill>
+                          <a:schemeClr val="accent4"/>
+                        </a:solidFill>
+                      </a:endParaRPr>
+                    </a:p>
+                  </a:txBody>
+                  <a:tcPr marL="0" marR="0" marT="0" marB="0">
+                    <a:solidFill>
+                      <a:schemeClr val="accent4"/>
+                    </a:solidFill>
+                  </a:tcPr>
+                </a:tc>
+                <a:tc>
+                  <a:txBody>
+                    <a:bodyPr/>
+                    <a:lstStyle/>
+                    <a:p>
+                      <a:pPr latinLnBrk="1"/>
+                      <a:endParaRPr lang="ko-KR" altLang="en-US" sz="600" dirty="0">
+                        <a:solidFill>
+                          <a:schemeClr val="accent4"/>
+                        </a:solidFill>
+                      </a:endParaRPr>
+                    </a:p>
+                  </a:txBody>
+                  <a:tcPr marL="0" marR="0" marT="0" marB="0">
+                    <a:solidFill>
+                      <a:schemeClr val="accent4"/>
+                    </a:solidFill>
+                  </a:tcPr>
+                </a:tc>
+                <a:tc rowSpan="2">
+                  <a:txBody>
+                    <a:bodyPr/>
+                    <a:lstStyle/>
+                    <a:p>
+                      <a:pPr latinLnBrk="1"/>
+                      <a:endParaRPr lang="ko-KR" altLang="en-US" sz="600" dirty="0"/>
+                    </a:p>
+                  </a:txBody>
+                  <a:tcPr marL="0" marR="0" marT="0" marB="0"/>
+                </a:tc>
+                <a:tc rowSpan="2">
+                  <a:txBody>
+                    <a:bodyPr/>
+                    <a:lstStyle/>
+                    <a:p>
+                      <a:pPr latinLnBrk="1"/>
+                      <a:endParaRPr lang="ko-KR" altLang="en-US" sz="1200"/>
+                    </a:p>
+                  </a:txBody>
+                  <a:tcPr marL="0" marR="0" marT="0" marB="0"/>
+                </a:tc>
+                <a:tc rowSpan="2">
+                  <a:txBody>
+                    <a:bodyPr/>
+                    <a:lstStyle/>
+                    <a:p>
+                      <a:pPr latinLnBrk="1"/>
+                      <a:endParaRPr lang="ko-KR" altLang="en-US" sz="1200"/>
+                    </a:p>
+                  </a:txBody>
+                  <a:tcPr marL="0" marR="0" marT="0" marB="0"/>
+                </a:tc>
+                <a:tc rowSpan="2">
+                  <a:txBody>
+                    <a:bodyPr/>
+                    <a:lstStyle/>
+                    <a:p>
+                      <a:pPr latinLnBrk="1"/>
+                      <a:endParaRPr lang="ko-KR" altLang="en-US" sz="1200"/>
+                    </a:p>
+                  </a:txBody>
+                  <a:tcPr marL="0" marR="0" marT="0" marB="0"/>
+                </a:tc>
+                <a:tc rowSpan="2">
                   <a:txBody>
                     <a:bodyPr/>
                     <a:lstStyle/>
@@ -15544,150 +15820,73 @@
                   </a:txBody>
                   <a:tcPr marL="0" marR="0" marT="0" marB="0"/>
                 </a:tc>
-                <a:tc>
-                  <a:txBody>
-                    <a:bodyPr/>
-                    <a:lstStyle/>
-                    <a:p>
-                      <a:pPr latinLnBrk="1"/>
-                      <a:endParaRPr lang="ko-KR" altLang="en-US" sz="1200"/>
-                    </a:p>
-                  </a:txBody>
-                  <a:tcPr marL="0" marR="0" marT="0" marB="0"/>
-                </a:tc>
-                <a:tc>
-                  <a:txBody>
-                    <a:bodyPr/>
-                    <a:lstStyle/>
-                    <a:p>
-                      <a:pPr latinLnBrk="1"/>
-                      <a:endParaRPr lang="ko-KR" altLang="en-US" sz="1200"/>
-                    </a:p>
-                  </a:txBody>
-                  <a:tcPr marL="0" marR="0" marT="0" marB="0"/>
-                </a:tc>
-                <a:tc>
-                  <a:txBody>
-                    <a:bodyPr/>
-                    <a:lstStyle/>
-                    <a:p>
-                      <a:pPr latinLnBrk="1"/>
-                      <a:endParaRPr lang="ko-KR" altLang="en-US" sz="1200"/>
-                    </a:p>
-                  </a:txBody>
-                  <a:tcPr marL="0" marR="0" marT="0" marB="0"/>
-                </a:tc>
-                <a:tc>
-                  <a:txBody>
-                    <a:bodyPr/>
-                    <a:lstStyle/>
-                    <a:p>
-                      <a:pPr latinLnBrk="1"/>
-                      <a:endParaRPr lang="ko-KR" altLang="en-US" sz="1200"/>
-                    </a:p>
-                  </a:txBody>
-                  <a:tcPr marL="0" marR="0" marT="0" marB="0"/>
-                </a:tc>
-                <a:tc>
-                  <a:txBody>
-                    <a:bodyPr/>
-                    <a:lstStyle/>
-                    <a:p>
-                      <a:pPr latinLnBrk="1"/>
-                      <a:endParaRPr lang="ko-KR" altLang="en-US" sz="1200"/>
-                    </a:p>
-                  </a:txBody>
-                  <a:tcPr marL="0" marR="0" marT="0" marB="0"/>
-                </a:tc>
-                <a:tc>
-                  <a:txBody>
-                    <a:bodyPr/>
-                    <a:lstStyle/>
-                    <a:p>
-                      <a:pPr latinLnBrk="1"/>
-                      <a:endParaRPr lang="ko-KR" altLang="en-US" sz="1200"/>
-                    </a:p>
-                  </a:txBody>
-                  <a:tcPr marL="0" marR="0" marT="0" marB="0"/>
-                </a:tc>
-                <a:tc>
-                  <a:txBody>
-                    <a:bodyPr/>
-                    <a:lstStyle/>
-                    <a:p>
-                      <a:pPr latinLnBrk="1"/>
-                      <a:endParaRPr lang="ko-KR" altLang="en-US" sz="1200"/>
-                    </a:p>
-                  </a:txBody>
-                  <a:tcPr marL="0" marR="0" marT="0" marB="0"/>
-                </a:tc>
-                <a:tc>
-                  <a:txBody>
-                    <a:bodyPr/>
-                    <a:lstStyle/>
-                    <a:p>
-                      <a:pPr latinLnBrk="1"/>
-                      <a:endParaRPr lang="ko-KR" altLang="en-US" sz="1200"/>
-                    </a:p>
-                  </a:txBody>
-                  <a:tcPr marL="0" marR="0" marT="0" marB="0"/>
-                </a:tc>
-                <a:tc>
-                  <a:txBody>
-                    <a:bodyPr/>
-                    <a:lstStyle/>
-                    <a:p>
-                      <a:pPr latinLnBrk="1"/>
-                      <a:endParaRPr lang="ko-KR" altLang="en-US" sz="1200"/>
-                    </a:p>
-                  </a:txBody>
-                  <a:tcPr marL="0" marR="0" marT="0" marB="0"/>
-                </a:tc>
-                <a:tc>
-                  <a:txBody>
-                    <a:bodyPr/>
-                    <a:lstStyle/>
-                    <a:p>
-                      <a:pPr latinLnBrk="1"/>
-                      <a:endParaRPr lang="ko-KR" altLang="en-US" sz="1200"/>
-                    </a:p>
-                  </a:txBody>
-                  <a:tcPr marL="0" marR="0" marT="0" marB="0"/>
-                </a:tc>
-                <a:tc>
-                  <a:txBody>
-                    <a:bodyPr/>
-                    <a:lstStyle/>
-                    <a:p>
-                      <a:pPr latinLnBrk="1"/>
-                      <a:endParaRPr lang="ko-KR" altLang="en-US" sz="1200"/>
-                    </a:p>
-                  </a:txBody>
-                  <a:tcPr marL="0" marR="0" marT="0" marB="0"/>
-                </a:tc>
-                <a:tc>
-                  <a:txBody>
-                    <a:bodyPr/>
-                    <a:lstStyle/>
-                    <a:p>
-                      <a:pPr latinLnBrk="1"/>
-                      <a:endParaRPr lang="ko-KR" altLang="en-US" sz="1200"/>
-                    </a:p>
-                  </a:txBody>
-                  <a:tcPr marL="0" marR="0" marT="0" marB="0"/>
-                </a:tc>
-                <a:tc>
-                  <a:txBody>
-                    <a:bodyPr/>
-                    <a:lstStyle/>
-                    <a:p>
-                      <a:pPr latinLnBrk="1"/>
-                      <a:endParaRPr lang="ko-KR" altLang="en-US" sz="1200"/>
-                    </a:p>
-                  </a:txBody>
-                  <a:tcPr marL="0" marR="0" marT="0" marB="0"/>
-                </a:tc>
-                <a:tc>
+                <a:tc rowSpan="2">
+                  <a:txBody>
+                    <a:bodyPr/>
+                    <a:lstStyle/>
+                    <a:p>
+                      <a:pPr latinLnBrk="1"/>
+                      <a:endParaRPr lang="ko-KR" altLang="en-US" sz="1200"/>
+                    </a:p>
+                  </a:txBody>
+                  <a:tcPr marL="0" marR="0" marT="0" marB="0"/>
+                </a:tc>
+                <a:tc rowSpan="2">
+                  <a:txBody>
+                    <a:bodyPr/>
+                    <a:lstStyle/>
+                    <a:p>
+                      <a:pPr latinLnBrk="1"/>
+                      <a:endParaRPr lang="ko-KR" altLang="en-US" sz="1200"/>
+                    </a:p>
+                  </a:txBody>
+                  <a:tcPr marL="0" marR="0" marT="0" marB="0"/>
+                </a:tc>
+                <a:tc rowSpan="2">
+                  <a:txBody>
+                    <a:bodyPr/>
+                    <a:lstStyle/>
+                    <a:p>
+                      <a:pPr latinLnBrk="1"/>
+                      <a:endParaRPr lang="ko-KR" altLang="en-US" sz="1200"/>
+                    </a:p>
+                  </a:txBody>
+                  <a:tcPr marL="0" marR="0" marT="0" marB="0"/>
+                </a:tc>
+                <a:tc rowSpan="2">
+                  <a:txBody>
+                    <a:bodyPr/>
+                    <a:lstStyle/>
+                    <a:p>
+                      <a:pPr latinLnBrk="1"/>
+                      <a:endParaRPr lang="ko-KR" altLang="en-US" sz="1200"/>
+                    </a:p>
+                  </a:txBody>
+                  <a:tcPr marL="0" marR="0" marT="0" marB="0"/>
+                </a:tc>
+                <a:tc rowSpan="2">
+                  <a:txBody>
+                    <a:bodyPr/>
+                    <a:lstStyle/>
+                    <a:p>
+                      <a:pPr latinLnBrk="1"/>
+                      <a:endParaRPr lang="ko-KR" altLang="en-US" sz="1200"/>
+                    </a:p>
+                  </a:txBody>
+                  <a:tcPr marL="0" marR="0" marT="0" marB="0"/>
+                </a:tc>
+                <a:tc rowSpan="2">
+                  <a:txBody>
+                    <a:bodyPr/>
+                    <a:lstStyle/>
+                    <a:p>
+                      <a:pPr latinLnBrk="1"/>
+                      <a:endParaRPr lang="ko-KR" altLang="en-US" sz="1200"/>
+                    </a:p>
+                  </a:txBody>
+                  <a:tcPr marL="0" marR="0" marT="0" marB="0"/>
+                </a:tc>
+                <a:tc rowSpan="2">
                   <a:txBody>
                     <a:bodyPr/>
                     <a:lstStyle/>
@@ -15698,7 +15897,7 @@
                   </a:txBody>
                   <a:tcPr marL="0" marR="0" marT="0" marB="0"/>
                 </a:tc>
-                <a:tc>
+                <a:tc rowSpan="2">
                   <a:txBody>
                     <a:bodyPr/>
                     <a:lstStyle/>
@@ -15709,7 +15908,7 @@
                   </a:txBody>
                   <a:tcPr marL="0" marR="0" marT="0" marB="0"/>
                 </a:tc>
-                <a:tc>
+                <a:tc rowSpan="2">
                   <a:txBody>
                     <a:bodyPr/>
                     <a:lstStyle/>
@@ -15720,7 +15919,7 @@
                   </a:txBody>
                   <a:tcPr marL="0" marR="0" marT="0" marB="0"/>
                 </a:tc>
-                <a:tc>
+                <a:tc rowSpan="2">
                   <a:txBody>
                     <a:bodyPr/>
                     <a:lstStyle/>
@@ -15731,7 +15930,18 @@
                   </a:txBody>
                   <a:tcPr marL="0" marR="0" marT="0" marB="0"/>
                 </a:tc>
-                <a:tc>
+                <a:tc rowSpan="2">
+                  <a:txBody>
+                    <a:bodyPr/>
+                    <a:lstStyle/>
+                    <a:p>
+                      <a:pPr latinLnBrk="1"/>
+                      <a:endParaRPr lang="ko-KR" altLang="en-US" sz="1200" dirty="0"/>
+                    </a:p>
+                  </a:txBody>
+                  <a:tcPr marL="0" marR="0" marT="0" marB="0"/>
+                </a:tc>
+                <a:tc rowSpan="2">
                   <a:txBody>
                     <a:bodyPr/>
                     <a:lstStyle/>
@@ -15748,6 +15958,432 @@
                   </a:ext>
                 </a:extLst>
               </a:tr>
+              <a:tr h="0">
+                <a:tc vMerge="1">
+                  <a:txBody>
+                    <a:bodyPr/>
+                    <a:lstStyle/>
+                    <a:p>
+                      <a:pPr latinLnBrk="1"/>
+                      <a:endParaRPr lang="ko-KR" altLang="en-US"/>
+                    </a:p>
+                  </a:txBody>
+                  <a:tcPr/>
+                </a:tc>
+                <a:tc vMerge="1">
+                  <a:txBody>
+                    <a:bodyPr/>
+                    <a:lstStyle/>
+                    <a:p>
+                      <a:pPr latinLnBrk="1"/>
+                      <a:endParaRPr lang="ko-KR" altLang="en-US"/>
+                    </a:p>
+                  </a:txBody>
+                  <a:tcPr/>
+                </a:tc>
+                <a:tc vMerge="1">
+                  <a:txBody>
+                    <a:bodyPr/>
+                    <a:lstStyle/>
+                    <a:p>
+                      <a:pPr latinLnBrk="1"/>
+                      <a:endParaRPr lang="ko-KR" altLang="en-US"/>
+                    </a:p>
+                  </a:txBody>
+                  <a:tcPr/>
+                </a:tc>
+                <a:tc vMerge="1">
+                  <a:txBody>
+                    <a:bodyPr/>
+                    <a:lstStyle/>
+                    <a:p>
+                      <a:pPr latinLnBrk="1"/>
+                      <a:endParaRPr lang="ko-KR" altLang="en-US"/>
+                    </a:p>
+                  </a:txBody>
+                  <a:tcPr/>
+                </a:tc>
+                <a:tc vMerge="1">
+                  <a:txBody>
+                    <a:bodyPr/>
+                    <a:lstStyle/>
+                    <a:p>
+                      <a:pPr latinLnBrk="1"/>
+                      <a:endParaRPr lang="ko-KR" altLang="en-US"/>
+                    </a:p>
+                  </a:txBody>
+                  <a:tcPr/>
+                </a:tc>
+                <a:tc vMerge="1">
+                  <a:txBody>
+                    <a:bodyPr/>
+                    <a:lstStyle/>
+                    <a:p>
+                      <a:pPr latinLnBrk="1"/>
+                      <a:endParaRPr lang="ko-KR" altLang="en-US"/>
+                    </a:p>
+                  </a:txBody>
+                  <a:tcPr/>
+                </a:tc>
+                <a:tc vMerge="1">
+                  <a:txBody>
+                    <a:bodyPr/>
+                    <a:lstStyle/>
+                    <a:p>
+                      <a:pPr latinLnBrk="1"/>
+                      <a:endParaRPr lang="ko-KR" altLang="en-US"/>
+                    </a:p>
+                  </a:txBody>
+                  <a:tcPr/>
+                </a:tc>
+                <a:tc vMerge="1">
+                  <a:txBody>
+                    <a:bodyPr/>
+                    <a:lstStyle/>
+                    <a:p>
+                      <a:pPr latinLnBrk="1"/>
+                      <a:endParaRPr lang="ko-KR" altLang="en-US"/>
+                    </a:p>
+                  </a:txBody>
+                  <a:tcPr/>
+                </a:tc>
+                <a:tc vMerge="1">
+                  <a:txBody>
+                    <a:bodyPr/>
+                    <a:lstStyle/>
+                    <a:p>
+                      <a:pPr latinLnBrk="1"/>
+                      <a:endParaRPr lang="ko-KR" altLang="en-US"/>
+                    </a:p>
+                  </a:txBody>
+                  <a:tcPr/>
+                </a:tc>
+                <a:tc vMerge="1">
+                  <a:txBody>
+                    <a:bodyPr/>
+                    <a:lstStyle/>
+                    <a:p>
+                      <a:pPr latinLnBrk="1"/>
+                      <a:endParaRPr lang="ko-KR" altLang="en-US"/>
+                    </a:p>
+                  </a:txBody>
+                  <a:tcPr/>
+                </a:tc>
+                <a:tc vMerge="1">
+                  <a:txBody>
+                    <a:bodyPr/>
+                    <a:lstStyle/>
+                    <a:p>
+                      <a:pPr latinLnBrk="1"/>
+                      <a:endParaRPr lang="ko-KR" altLang="en-US"/>
+                    </a:p>
+                  </a:txBody>
+                  <a:tcPr/>
+                </a:tc>
+                <a:tc vMerge="1">
+                  <a:txBody>
+                    <a:bodyPr/>
+                    <a:lstStyle/>
+                    <a:p>
+                      <a:pPr latinLnBrk="1"/>
+                      <a:endParaRPr lang="ko-KR" altLang="en-US"/>
+                    </a:p>
+                  </a:txBody>
+                  <a:tcPr/>
+                </a:tc>
+                <a:tc vMerge="1">
+                  <a:txBody>
+                    <a:bodyPr/>
+                    <a:lstStyle/>
+                    <a:p>
+                      <a:pPr latinLnBrk="1"/>
+                      <a:endParaRPr lang="ko-KR" altLang="en-US"/>
+                    </a:p>
+                  </a:txBody>
+                  <a:tcPr/>
+                </a:tc>
+                <a:tc vMerge="1">
+                  <a:txBody>
+                    <a:bodyPr/>
+                    <a:lstStyle/>
+                    <a:p>
+                      <a:pPr latinLnBrk="1"/>
+                      <a:endParaRPr lang="ko-KR" altLang="en-US"/>
+                    </a:p>
+                  </a:txBody>
+                  <a:tcPr/>
+                </a:tc>
+                <a:tc vMerge="1">
+                  <a:txBody>
+                    <a:bodyPr/>
+                    <a:lstStyle/>
+                    <a:p>
+                      <a:pPr latinLnBrk="1"/>
+                      <a:endParaRPr lang="ko-KR" altLang="en-US"/>
+                    </a:p>
+                  </a:txBody>
+                  <a:tcPr/>
+                </a:tc>
+                <a:tc vMerge="1">
+                  <a:txBody>
+                    <a:bodyPr/>
+                    <a:lstStyle/>
+                    <a:p>
+                      <a:pPr latinLnBrk="1"/>
+                      <a:endParaRPr lang="ko-KR" altLang="en-US"/>
+                    </a:p>
+                  </a:txBody>
+                  <a:tcPr/>
+                </a:tc>
+                <a:tc vMerge="1">
+                  <a:txBody>
+                    <a:bodyPr/>
+                    <a:lstStyle/>
+                    <a:p>
+                      <a:pPr latinLnBrk="1"/>
+                      <a:endParaRPr lang="ko-KR" altLang="en-US"/>
+                    </a:p>
+                  </a:txBody>
+                  <a:tcPr/>
+                </a:tc>
+                <a:tc>
+                  <a:txBody>
+                    <a:bodyPr/>
+                    <a:lstStyle/>
+                    <a:p>
+                      <a:pPr latinLnBrk="1"/>
+                      <a:endParaRPr lang="ko-KR" altLang="en-US" sz="600" dirty="0"/>
+                    </a:p>
+                  </a:txBody>
+                  <a:tcPr marL="0" marR="0" marT="0" marB="0">
+                    <a:solidFill>
+                      <a:schemeClr val="accent6"/>
+                    </a:solidFill>
+                  </a:tcPr>
+                </a:tc>
+                <a:tc>
+                  <a:txBody>
+                    <a:bodyPr/>
+                    <a:lstStyle/>
+                    <a:p>
+                      <a:pPr latinLnBrk="1"/>
+                      <a:endParaRPr lang="ko-KR" altLang="en-US" sz="600" dirty="0"/>
+                    </a:p>
+                  </a:txBody>
+                  <a:tcPr marL="0" marR="0" marT="0" marB="0">
+                    <a:solidFill>
+                      <a:schemeClr val="accent6"/>
+                    </a:solidFill>
+                  </a:tcPr>
+                </a:tc>
+                <a:tc>
+                  <a:txBody>
+                    <a:bodyPr/>
+                    <a:lstStyle/>
+                    <a:p>
+                      <a:pPr latinLnBrk="1"/>
+                      <a:endParaRPr lang="ko-KR" altLang="en-US" sz="600" dirty="0"/>
+                    </a:p>
+                  </a:txBody>
+                  <a:tcPr marL="0" marR="0" marT="0" marB="0">
+                    <a:solidFill>
+                      <a:schemeClr val="accent6"/>
+                    </a:solidFill>
+                  </a:tcPr>
+                </a:tc>
+                <a:tc vMerge="1">
+                  <a:txBody>
+                    <a:bodyPr/>
+                    <a:lstStyle/>
+                    <a:p>
+                      <a:pPr latinLnBrk="1"/>
+                      <a:endParaRPr lang="ko-KR" altLang="en-US"/>
+                    </a:p>
+                  </a:txBody>
+                  <a:tcPr/>
+                </a:tc>
+                <a:tc vMerge="1">
+                  <a:txBody>
+                    <a:bodyPr/>
+                    <a:lstStyle/>
+                    <a:p>
+                      <a:pPr latinLnBrk="1"/>
+                      <a:endParaRPr lang="ko-KR" altLang="en-US"/>
+                    </a:p>
+                  </a:txBody>
+                  <a:tcPr/>
+                </a:tc>
+                <a:tc vMerge="1">
+                  <a:txBody>
+                    <a:bodyPr/>
+                    <a:lstStyle/>
+                    <a:p>
+                      <a:pPr latinLnBrk="1"/>
+                      <a:endParaRPr lang="ko-KR" altLang="en-US"/>
+                    </a:p>
+                  </a:txBody>
+                  <a:tcPr/>
+                </a:tc>
+                <a:tc vMerge="1">
+                  <a:txBody>
+                    <a:bodyPr/>
+                    <a:lstStyle/>
+                    <a:p>
+                      <a:pPr latinLnBrk="1"/>
+                      <a:endParaRPr lang="ko-KR" altLang="en-US"/>
+                    </a:p>
+                  </a:txBody>
+                  <a:tcPr/>
+                </a:tc>
+                <a:tc vMerge="1">
+                  <a:txBody>
+                    <a:bodyPr/>
+                    <a:lstStyle/>
+                    <a:p>
+                      <a:pPr latinLnBrk="1"/>
+                      <a:endParaRPr lang="ko-KR" altLang="en-US"/>
+                    </a:p>
+                  </a:txBody>
+                  <a:tcPr/>
+                </a:tc>
+                <a:tc vMerge="1">
+                  <a:txBody>
+                    <a:bodyPr/>
+                    <a:lstStyle/>
+                    <a:p>
+                      <a:pPr latinLnBrk="1"/>
+                      <a:endParaRPr lang="ko-KR" altLang="en-US"/>
+                    </a:p>
+                  </a:txBody>
+                  <a:tcPr/>
+                </a:tc>
+                <a:tc vMerge="1">
+                  <a:txBody>
+                    <a:bodyPr/>
+                    <a:lstStyle/>
+                    <a:p>
+                      <a:pPr latinLnBrk="1"/>
+                      <a:endParaRPr lang="ko-KR" altLang="en-US"/>
+                    </a:p>
+                  </a:txBody>
+                  <a:tcPr/>
+                </a:tc>
+                <a:tc vMerge="1">
+                  <a:txBody>
+                    <a:bodyPr/>
+                    <a:lstStyle/>
+                    <a:p>
+                      <a:pPr latinLnBrk="1"/>
+                      <a:endParaRPr lang="ko-KR" altLang="en-US"/>
+                    </a:p>
+                  </a:txBody>
+                  <a:tcPr/>
+                </a:tc>
+                <a:tc vMerge="1">
+                  <a:txBody>
+                    <a:bodyPr/>
+                    <a:lstStyle/>
+                    <a:p>
+                      <a:pPr latinLnBrk="1"/>
+                      <a:endParaRPr lang="ko-KR" altLang="en-US"/>
+                    </a:p>
+                  </a:txBody>
+                  <a:tcPr/>
+                </a:tc>
+                <a:tc vMerge="1">
+                  <a:txBody>
+                    <a:bodyPr/>
+                    <a:lstStyle/>
+                    <a:p>
+                      <a:pPr latinLnBrk="1"/>
+                      <a:endParaRPr lang="ko-KR" altLang="en-US"/>
+                    </a:p>
+                  </a:txBody>
+                  <a:tcPr/>
+                </a:tc>
+                <a:tc vMerge="1">
+                  <a:txBody>
+                    <a:bodyPr/>
+                    <a:lstStyle/>
+                    <a:p>
+                      <a:pPr latinLnBrk="1"/>
+                      <a:endParaRPr lang="ko-KR" altLang="en-US"/>
+                    </a:p>
+                  </a:txBody>
+                  <a:tcPr/>
+                </a:tc>
+                <a:tc vMerge="1">
+                  <a:txBody>
+                    <a:bodyPr/>
+                    <a:lstStyle/>
+                    <a:p>
+                      <a:pPr latinLnBrk="1"/>
+                      <a:endParaRPr lang="ko-KR" altLang="en-US"/>
+                    </a:p>
+                  </a:txBody>
+                  <a:tcPr/>
+                </a:tc>
+                <a:tc vMerge="1">
+                  <a:txBody>
+                    <a:bodyPr/>
+                    <a:lstStyle/>
+                    <a:p>
+                      <a:pPr latinLnBrk="1"/>
+                      <a:endParaRPr lang="ko-KR" altLang="en-US"/>
+                    </a:p>
+                  </a:txBody>
+                  <a:tcPr/>
+                </a:tc>
+                <a:tc vMerge="1">
+                  <a:txBody>
+                    <a:bodyPr/>
+                    <a:lstStyle/>
+                    <a:p>
+                      <a:pPr latinLnBrk="1"/>
+                      <a:endParaRPr lang="ko-KR" altLang="en-US"/>
+                    </a:p>
+                  </a:txBody>
+                  <a:tcPr/>
+                </a:tc>
+                <a:tc vMerge="1">
+                  <a:txBody>
+                    <a:bodyPr/>
+                    <a:lstStyle/>
+                    <a:p>
+                      <a:pPr latinLnBrk="1"/>
+                      <a:endParaRPr lang="ko-KR" altLang="en-US"/>
+                    </a:p>
+                  </a:txBody>
+                  <a:tcPr/>
+                </a:tc>
+                <a:tc vMerge="1">
+                  <a:txBody>
+                    <a:bodyPr/>
+                    <a:lstStyle/>
+                    <a:p>
+                      <a:pPr latinLnBrk="1"/>
+                      <a:endParaRPr lang="ko-KR" altLang="en-US"/>
+                    </a:p>
+                  </a:txBody>
+                  <a:tcPr/>
+                </a:tc>
+                <a:tc vMerge="1">
+                  <a:txBody>
+                    <a:bodyPr/>
+                    <a:lstStyle/>
+                    <a:p>
+                      <a:pPr latinLnBrk="1"/>
+                      <a:endParaRPr lang="ko-KR" altLang="en-US"/>
+                    </a:p>
+                  </a:txBody>
+                  <a:tcPr/>
+                </a:tc>
+                <a:extLst>
+                  <a:ext uri="{0D108BD9-81ED-4DB2-BD59-A6C34878D82A}">
+                    <a16:rowId xmlns:a16="http://schemas.microsoft.com/office/drawing/2014/main" val="80503790"/>
+                  </a:ext>
+                </a:extLst>
+              </a:tr>
               <a:tr h="182280">
                 <a:tc>
                   <a:txBody>
@@ -15756,12 +16392,16 @@
                     <a:p>
                       <a:pPr algn="ctr" latinLnBrk="1"/>
                       <a:r>
-                        <a:rPr lang="ko-KR" altLang="en-US" sz="1000" dirty="0">
+                        <a:rPr lang="ko-KR" altLang="en-US" sz="1000" dirty="0" err="1">
                           <a:latin typeface="맑은 고딕" panose="020B0503020000020004" pitchFamily="50" charset="-127"/>
                           <a:ea typeface="맑은 고딕" panose="020B0503020000020004" pitchFamily="50" charset="-127"/>
                         </a:rPr>
-                        <a:t>선공형 동물 구현</a:t>
+                        <a:t>테셀레이터</a:t>
                       </a:r>
+                      <a:endParaRPr lang="ko-KR" altLang="en-US" sz="1000" dirty="0">
+                        <a:latin typeface="맑은 고딕" panose="020B0503020000020004" pitchFamily="50" charset="-127"/>
+                        <a:ea typeface="맑은 고딕" panose="020B0503020000020004" pitchFamily="50" charset="-127"/>
+                      </a:endParaRPr>
                     </a:p>
                   </a:txBody>
                   <a:tcPr marL="0" marR="0" marT="0" marB="0" anchor="ctr"/>
@@ -15850,28 +16490,6 @@
                     <a:p>
                       <a:pPr latinLnBrk="1"/>
                       <a:endParaRPr lang="ko-KR" altLang="en-US" sz="1200"/>
-                    </a:p>
-                  </a:txBody>
-                  <a:tcPr marL="0" marR="0" marT="0" marB="0"/>
-                </a:tc>
-                <a:tc>
-                  <a:txBody>
-                    <a:bodyPr/>
-                    <a:lstStyle/>
-                    <a:p>
-                      <a:pPr latinLnBrk="1"/>
-                      <a:endParaRPr lang="ko-KR" altLang="en-US" sz="1200" dirty="0"/>
-                    </a:p>
-                  </a:txBody>
-                  <a:tcPr marL="0" marR="0" marT="0" marB="0"/>
-                </a:tc>
-                <a:tc>
-                  <a:txBody>
-                    <a:bodyPr/>
-                    <a:lstStyle/>
-                    <a:p>
-                      <a:pPr latinLnBrk="1"/>
-                      <a:endParaRPr lang="ko-KR" altLang="en-US" sz="1200" dirty="0"/>
                     </a:p>
                   </a:txBody>
                   <a:tcPr marL="0" marR="0" marT="0" marB="0"/>
@@ -15887,7 +16505,7 @@
                   </a:txBody>
                   <a:tcPr marL="0" marR="0" marT="0" marB="0">
                     <a:solidFill>
-                      <a:schemeClr val="accent4"/>
+                      <a:schemeClr val="bg2"/>
                     </a:solidFill>
                   </a:tcPr>
                 </a:tc>
@@ -15900,73 +16518,11 @@
                       <a:endParaRPr lang="ko-KR" altLang="en-US" sz="1200" dirty="0"/>
                     </a:p>
                   </a:txBody>
-                  <a:tcPr marL="0" marR="0" marT="0" marB="0"/>
-                </a:tc>
-                <a:tc>
-                  <a:txBody>
-                    <a:bodyPr/>
-                    <a:lstStyle/>
-                    <a:p>
-                      <a:pPr latinLnBrk="1"/>
-                      <a:endParaRPr lang="ko-KR" altLang="en-US" sz="1200"/>
-                    </a:p>
-                  </a:txBody>
-                  <a:tcPr marL="0" marR="0" marT="0" marB="0"/>
-                </a:tc>
-                <a:tc>
-                  <a:txBody>
-                    <a:bodyPr/>
-                    <a:lstStyle/>
-                    <a:p>
-                      <a:pPr latinLnBrk="1"/>
-                      <a:endParaRPr lang="ko-KR" altLang="en-US" sz="1200"/>
-                    </a:p>
-                  </a:txBody>
-                  <a:tcPr marL="0" marR="0" marT="0" marB="0"/>
-                </a:tc>
-                <a:tc>
-                  <a:txBody>
-                    <a:bodyPr/>
-                    <a:lstStyle/>
-                    <a:p>
-                      <a:pPr latinLnBrk="1"/>
-                      <a:endParaRPr lang="ko-KR" altLang="en-US" sz="1200"/>
-                    </a:p>
-                  </a:txBody>
-                  <a:tcPr marL="0" marR="0" marT="0" marB="0"/>
-                </a:tc>
-                <a:tc>
-                  <a:txBody>
-                    <a:bodyPr/>
-                    <a:lstStyle/>
-                    <a:p>
-                      <a:pPr latinLnBrk="1"/>
-                      <a:endParaRPr lang="ko-KR" altLang="en-US" sz="1200"/>
-                    </a:p>
-                  </a:txBody>
-                  <a:tcPr marL="0" marR="0" marT="0" marB="0"/>
-                </a:tc>
-                <a:tc>
-                  <a:txBody>
-                    <a:bodyPr/>
-                    <a:lstStyle/>
-                    <a:p>
-                      <a:pPr latinLnBrk="1"/>
-                      <a:endParaRPr lang="ko-KR" altLang="en-US" sz="1200"/>
-                    </a:p>
-                  </a:txBody>
-                  <a:tcPr marL="0" marR="0" marT="0" marB="0"/>
-                </a:tc>
-                <a:tc>
-                  <a:txBody>
-                    <a:bodyPr/>
-                    <a:lstStyle/>
-                    <a:p>
-                      <a:pPr latinLnBrk="1"/>
-                      <a:endParaRPr lang="ko-KR" altLang="en-US" sz="1200"/>
-                    </a:p>
-                  </a:txBody>
-                  <a:tcPr marL="0" marR="0" marT="0" marB="0"/>
+                  <a:tcPr marL="0" marR="0" marT="0" marB="0">
+                    <a:solidFill>
+                      <a:schemeClr val="bg2"/>
+                    </a:solidFill>
+                  </a:tcPr>
                 </a:tc>
                 <a:tc>
                   <a:txBody>
@@ -15977,40 +16533,152 @@
                       <a:endParaRPr lang="ko-KR" altLang="en-US" sz="1200" dirty="0"/>
                     </a:p>
                   </a:txBody>
-                  <a:tcPr marL="0" marR="0" marT="0" marB="0"/>
-                </a:tc>
-                <a:tc>
-                  <a:txBody>
-                    <a:bodyPr/>
-                    <a:lstStyle/>
-                    <a:p>
-                      <a:pPr latinLnBrk="1"/>
-                      <a:endParaRPr lang="ko-KR" altLang="en-US" sz="1200"/>
-                    </a:p>
-                  </a:txBody>
-                  <a:tcPr marL="0" marR="0" marT="0" marB="0"/>
-                </a:tc>
-                <a:tc>
-                  <a:txBody>
-                    <a:bodyPr/>
-                    <a:lstStyle/>
-                    <a:p>
-                      <a:pPr latinLnBrk="1"/>
-                      <a:endParaRPr lang="ko-KR" altLang="en-US" sz="1200"/>
-                    </a:p>
-                  </a:txBody>
-                  <a:tcPr marL="0" marR="0" marT="0" marB="0"/>
-                </a:tc>
-                <a:tc>
-                  <a:txBody>
-                    <a:bodyPr/>
-                    <a:lstStyle/>
-                    <a:p>
-                      <a:pPr latinLnBrk="1"/>
-                      <a:endParaRPr lang="ko-KR" altLang="en-US" sz="1200"/>
-                    </a:p>
-                  </a:txBody>
-                  <a:tcPr marL="0" marR="0" marT="0" marB="0"/>
+                  <a:tcPr marL="0" marR="0" marT="0" marB="0">
+                    <a:solidFill>
+                      <a:schemeClr val="bg2"/>
+                    </a:solidFill>
+                  </a:tcPr>
+                </a:tc>
+                <a:tc>
+                  <a:txBody>
+                    <a:bodyPr/>
+                    <a:lstStyle/>
+                    <a:p>
+                      <a:pPr latinLnBrk="1"/>
+                      <a:endParaRPr lang="ko-KR" altLang="en-US" sz="1200" dirty="0"/>
+                    </a:p>
+                  </a:txBody>
+                  <a:tcPr marL="0" marR="0" marT="0" marB="0">
+                    <a:solidFill>
+                      <a:schemeClr val="bg2"/>
+                    </a:solidFill>
+                  </a:tcPr>
+                </a:tc>
+                <a:tc>
+                  <a:txBody>
+                    <a:bodyPr/>
+                    <a:lstStyle/>
+                    <a:p>
+                      <a:pPr latinLnBrk="1"/>
+                      <a:endParaRPr lang="ko-KR" altLang="en-US" sz="1200" dirty="0"/>
+                    </a:p>
+                  </a:txBody>
+                  <a:tcPr marL="0" marR="0" marT="0" marB="0">
+                    <a:solidFill>
+                      <a:schemeClr val="bg2"/>
+                    </a:solidFill>
+                  </a:tcPr>
+                </a:tc>
+                <a:tc>
+                  <a:txBody>
+                    <a:bodyPr/>
+                    <a:lstStyle/>
+                    <a:p>
+                      <a:pPr latinLnBrk="1"/>
+                      <a:endParaRPr lang="ko-KR" altLang="en-US" sz="1200"/>
+                    </a:p>
+                  </a:txBody>
+                  <a:tcPr marL="0" marR="0" marT="0" marB="0"/>
+                </a:tc>
+                <a:tc>
+                  <a:txBody>
+                    <a:bodyPr/>
+                    <a:lstStyle/>
+                    <a:p>
+                      <a:pPr latinLnBrk="1"/>
+                      <a:endParaRPr lang="ko-KR" altLang="en-US" sz="1200"/>
+                    </a:p>
+                  </a:txBody>
+                  <a:tcPr marL="0" marR="0" marT="0" marB="0"/>
+                </a:tc>
+                <a:tc>
+                  <a:txBody>
+                    <a:bodyPr/>
+                    <a:lstStyle/>
+                    <a:p>
+                      <a:pPr latinLnBrk="1"/>
+                      <a:endParaRPr lang="ko-KR" altLang="en-US" sz="1200" dirty="0"/>
+                    </a:p>
+                  </a:txBody>
+                  <a:tcPr marL="0" marR="0" marT="0" marB="0"/>
+                </a:tc>
+                <a:tc>
+                  <a:txBody>
+                    <a:bodyPr/>
+                    <a:lstStyle/>
+                    <a:p>
+                      <a:pPr latinLnBrk="1"/>
+                      <a:endParaRPr lang="ko-KR" altLang="en-US" sz="1200" dirty="0"/>
+                    </a:p>
+                  </a:txBody>
+                  <a:tcPr marL="0" marR="0" marT="0" marB="0"/>
+                </a:tc>
+                <a:tc>
+                  <a:txBody>
+                    <a:bodyPr/>
+                    <a:lstStyle/>
+                    <a:p>
+                      <a:pPr latinLnBrk="1"/>
+                      <a:endParaRPr lang="ko-KR" altLang="en-US" sz="1200" dirty="0"/>
+                    </a:p>
+                  </a:txBody>
+                  <a:tcPr marL="0" marR="0" marT="0" marB="0"/>
+                </a:tc>
+                <a:tc>
+                  <a:txBody>
+                    <a:bodyPr/>
+                    <a:lstStyle/>
+                    <a:p>
+                      <a:pPr latinLnBrk="1"/>
+                      <a:endParaRPr lang="ko-KR" altLang="en-US" sz="1200" dirty="0"/>
+                    </a:p>
+                  </a:txBody>
+                  <a:tcPr marL="0" marR="0" marT="0" marB="0"/>
+                </a:tc>
+                <a:tc>
+                  <a:txBody>
+                    <a:bodyPr/>
+                    <a:lstStyle/>
+                    <a:p>
+                      <a:pPr latinLnBrk="1"/>
+                      <a:endParaRPr lang="ko-KR" altLang="en-US" sz="1200" dirty="0"/>
+                    </a:p>
+                  </a:txBody>
+                  <a:tcPr marL="0" marR="0" marT="0" marB="0">
+                    <a:solidFill>
+                      <a:schemeClr val="accent6"/>
+                    </a:solidFill>
+                  </a:tcPr>
+                </a:tc>
+                <a:tc>
+                  <a:txBody>
+                    <a:bodyPr/>
+                    <a:lstStyle/>
+                    <a:p>
+                      <a:pPr latinLnBrk="1"/>
+                      <a:endParaRPr lang="ko-KR" altLang="en-US" sz="1200"/>
+                    </a:p>
+                  </a:txBody>
+                  <a:tcPr marL="0" marR="0" marT="0" marB="0">
+                    <a:solidFill>
+                      <a:schemeClr val="accent6"/>
+                    </a:solidFill>
+                  </a:tcPr>
+                </a:tc>
+                <a:tc>
+                  <a:txBody>
+                    <a:bodyPr/>
+                    <a:lstStyle/>
+                    <a:p>
+                      <a:pPr latinLnBrk="1"/>
+                      <a:endParaRPr lang="ko-KR" altLang="en-US" sz="1200" dirty="0"/>
+                    </a:p>
+                  </a:txBody>
+                  <a:tcPr marL="0" marR="0" marT="0" marB="0">
+                    <a:solidFill>
+                      <a:schemeClr val="accent6"/>
+                    </a:solidFill>
+                  </a:tcPr>
                 </a:tc>
                 <a:tc>
                   <a:txBody>
@@ -16184,7 +16852,7 @@
                           <a:latin typeface="맑은 고딕" panose="020B0503020000020004" pitchFamily="50" charset="-127"/>
                           <a:ea typeface="맑은 고딕" panose="020B0503020000020004" pitchFamily="50" charset="-127"/>
                         </a:rPr>
-                        <a:t>회피형 동물 구현</a:t>
+                        <a:t>동물 구현</a:t>
                       </a:r>
                     </a:p>
                   </a:txBody>
@@ -16307,6 +16975,145 @@
                     <a:p>
                       <a:pPr latinLnBrk="1"/>
                       <a:endParaRPr lang="ko-KR" altLang="en-US" sz="1200" dirty="0"/>
+                    </a:p>
+                  </a:txBody>
+                  <a:tcPr marL="0" marR="0" marT="0" marB="0">
+                    <a:solidFill>
+                      <a:schemeClr val="bg2">
+                        <a:lumMod val="90000"/>
+                      </a:schemeClr>
+                    </a:solidFill>
+                  </a:tcPr>
+                </a:tc>
+                <a:tc>
+                  <a:txBody>
+                    <a:bodyPr/>
+                    <a:lstStyle/>
+                    <a:p>
+                      <a:pPr latinLnBrk="1"/>
+                      <a:endParaRPr lang="ko-KR" altLang="en-US" sz="1200" dirty="0"/>
+                    </a:p>
+                  </a:txBody>
+                  <a:tcPr marL="0" marR="0" marT="0" marB="0">
+                    <a:solidFill>
+                      <a:schemeClr val="bg2">
+                        <a:lumMod val="90000"/>
+                      </a:schemeClr>
+                    </a:solidFill>
+                  </a:tcPr>
+                </a:tc>
+                <a:tc>
+                  <a:txBody>
+                    <a:bodyPr/>
+                    <a:lstStyle/>
+                    <a:p>
+                      <a:pPr latinLnBrk="1"/>
+                      <a:endParaRPr lang="ko-KR" altLang="en-US" sz="1200" dirty="0"/>
+                    </a:p>
+                  </a:txBody>
+                  <a:tcPr marL="0" marR="0" marT="0" marB="0">
+                    <a:solidFill>
+                      <a:schemeClr val="bg2">
+                        <a:lumMod val="90000"/>
+                      </a:schemeClr>
+                    </a:solidFill>
+                  </a:tcPr>
+                </a:tc>
+                <a:tc>
+                  <a:txBody>
+                    <a:bodyPr/>
+                    <a:lstStyle/>
+                    <a:p>
+                      <a:pPr latinLnBrk="1"/>
+                      <a:endParaRPr lang="ko-KR" altLang="en-US" sz="1200" dirty="0"/>
+                    </a:p>
+                  </a:txBody>
+                  <a:tcPr marL="0" marR="0" marT="0" marB="0"/>
+                </a:tc>
+                <a:tc>
+                  <a:txBody>
+                    <a:bodyPr/>
+                    <a:lstStyle/>
+                    <a:p>
+                      <a:pPr latinLnBrk="1"/>
+                      <a:endParaRPr lang="ko-KR" altLang="en-US" sz="1200"/>
+                    </a:p>
+                  </a:txBody>
+                  <a:tcPr marL="0" marR="0" marT="0" marB="0"/>
+                </a:tc>
+                <a:tc>
+                  <a:txBody>
+                    <a:bodyPr/>
+                    <a:lstStyle/>
+                    <a:p>
+                      <a:pPr latinLnBrk="1"/>
+                      <a:endParaRPr lang="ko-KR" altLang="en-US" sz="1200" dirty="0"/>
+                    </a:p>
+                  </a:txBody>
+                  <a:tcPr marL="0" marR="0" marT="0" marB="0"/>
+                </a:tc>
+                <a:tc>
+                  <a:txBody>
+                    <a:bodyPr/>
+                    <a:lstStyle/>
+                    <a:p>
+                      <a:pPr latinLnBrk="1"/>
+                      <a:endParaRPr lang="ko-KR" altLang="en-US" sz="1200" dirty="0"/>
+                    </a:p>
+                  </a:txBody>
+                  <a:tcPr marL="0" marR="0" marT="0" marB="0"/>
+                </a:tc>
+                <a:tc>
+                  <a:txBody>
+                    <a:bodyPr/>
+                    <a:lstStyle/>
+                    <a:p>
+                      <a:pPr latinLnBrk="1"/>
+                      <a:endParaRPr lang="ko-KR" altLang="en-US" sz="1200" dirty="0"/>
+                    </a:p>
+                  </a:txBody>
+                  <a:tcPr marL="0" marR="0" marT="0" marB="0"/>
+                </a:tc>
+                <a:tc>
+                  <a:txBody>
+                    <a:bodyPr/>
+                    <a:lstStyle/>
+                    <a:p>
+                      <a:pPr latinLnBrk="1"/>
+                      <a:endParaRPr lang="ko-KR" altLang="en-US" sz="1200" dirty="0"/>
+                    </a:p>
+                  </a:txBody>
+                  <a:tcPr marL="0" marR="0" marT="0" marB="0"/>
+                </a:tc>
+                <a:tc>
+                  <a:txBody>
+                    <a:bodyPr/>
+                    <a:lstStyle/>
+                    <a:p>
+                      <a:pPr latinLnBrk="1"/>
+                      <a:endParaRPr lang="ko-KR" altLang="en-US" sz="1200"/>
+                    </a:p>
+                  </a:txBody>
+                  <a:tcPr marL="0" marR="0" marT="0" marB="0"/>
+                </a:tc>
+                <a:tc>
+                  <a:txBody>
+                    <a:bodyPr/>
+                    <a:lstStyle/>
+                    <a:p>
+                      <a:pPr latinLnBrk="1"/>
+                      <a:endParaRPr lang="ko-KR" altLang="en-US" sz="1200" dirty="0"/>
+                    </a:p>
+                  </a:txBody>
+                  <a:tcPr marL="0" marR="0" marT="0" marB="0"/>
+                </a:tc>
+                <a:tc>
+                  <a:txBody>
+                    <a:bodyPr/>
+                    <a:lstStyle/>
+                    <a:p>
+                      <a:pPr latinLnBrk="1"/>
+                      <a:endParaRPr lang="ko-KR" altLang="en-US" sz="1200"/>
                     </a:p>
                   </a:txBody>
                   <a:tcPr marL="0" marR="0" marT="0" marB="0"/>
@@ -16335,62 +17142,11 @@
                       <a:endParaRPr lang="ko-KR" altLang="en-US" sz="1200"/>
                     </a:p>
                   </a:txBody>
-                  <a:tcPr marL="0" marR="0" marT="0" marB="0"/>
-                </a:tc>
-                <a:tc>
-                  <a:txBody>
-                    <a:bodyPr/>
-                    <a:lstStyle/>
-                    <a:p>
-                      <a:pPr latinLnBrk="1"/>
-                      <a:endParaRPr lang="ko-KR" altLang="en-US" sz="1200"/>
-                    </a:p>
-                  </a:txBody>
-                  <a:tcPr marL="0" marR="0" marT="0" marB="0"/>
-                </a:tc>
-                <a:tc>
-                  <a:txBody>
-                    <a:bodyPr/>
-                    <a:lstStyle/>
-                    <a:p>
-                      <a:pPr latinLnBrk="1"/>
-                      <a:endParaRPr lang="ko-KR" altLang="en-US" sz="1200"/>
-                    </a:p>
-                  </a:txBody>
-                  <a:tcPr marL="0" marR="0" marT="0" marB="0"/>
-                </a:tc>
-                <a:tc>
-                  <a:txBody>
-                    <a:bodyPr/>
-                    <a:lstStyle/>
-                    <a:p>
-                      <a:pPr latinLnBrk="1"/>
-                      <a:endParaRPr lang="ko-KR" altLang="en-US" sz="1200"/>
-                    </a:p>
-                  </a:txBody>
-                  <a:tcPr marL="0" marR="0" marT="0" marB="0"/>
-                </a:tc>
-                <a:tc>
-                  <a:txBody>
-                    <a:bodyPr/>
-                    <a:lstStyle/>
-                    <a:p>
-                      <a:pPr latinLnBrk="1"/>
-                      <a:endParaRPr lang="ko-KR" altLang="en-US" sz="1200"/>
-                    </a:p>
-                  </a:txBody>
-                  <a:tcPr marL="0" marR="0" marT="0" marB="0"/>
-                </a:tc>
-                <a:tc>
-                  <a:txBody>
-                    <a:bodyPr/>
-                    <a:lstStyle/>
-                    <a:p>
-                      <a:pPr latinLnBrk="1"/>
-                      <a:endParaRPr lang="ko-KR" altLang="en-US" sz="1200"/>
-                    </a:p>
-                  </a:txBody>
-                  <a:tcPr marL="0" marR="0" marT="0" marB="0"/>
+                  <a:tcPr marL="0" marR="0" marT="0" marB="0">
+                    <a:solidFill>
+                      <a:schemeClr val="accent4"/>
+                    </a:solidFill>
+                  </a:tcPr>
                 </a:tc>
                 <a:tc>
                   <a:txBody>
@@ -16401,73 +17157,11 @@
                       <a:endParaRPr lang="ko-KR" altLang="en-US" sz="1200" dirty="0"/>
                     </a:p>
                   </a:txBody>
-                  <a:tcPr marL="0" marR="0" marT="0" marB="0"/>
-                </a:tc>
-                <a:tc>
-                  <a:txBody>
-                    <a:bodyPr/>
-                    <a:lstStyle/>
-                    <a:p>
-                      <a:pPr latinLnBrk="1"/>
-                      <a:endParaRPr lang="ko-KR" altLang="en-US" sz="1200"/>
-                    </a:p>
-                  </a:txBody>
-                  <a:tcPr marL="0" marR="0" marT="0" marB="0"/>
-                </a:tc>
-                <a:tc>
-                  <a:txBody>
-                    <a:bodyPr/>
-                    <a:lstStyle/>
-                    <a:p>
-                      <a:pPr latinLnBrk="1"/>
-                      <a:endParaRPr lang="ko-KR" altLang="en-US" sz="1200"/>
-                    </a:p>
-                  </a:txBody>
-                  <a:tcPr marL="0" marR="0" marT="0" marB="0"/>
-                </a:tc>
-                <a:tc>
-                  <a:txBody>
-                    <a:bodyPr/>
-                    <a:lstStyle/>
-                    <a:p>
-                      <a:pPr latinLnBrk="1"/>
-                      <a:endParaRPr lang="ko-KR" altLang="en-US" sz="1200"/>
-                    </a:p>
-                  </a:txBody>
-                  <a:tcPr marL="0" marR="0" marT="0" marB="0"/>
-                </a:tc>
-                <a:tc>
-                  <a:txBody>
-                    <a:bodyPr/>
-                    <a:lstStyle/>
-                    <a:p>
-                      <a:pPr latinLnBrk="1"/>
-                      <a:endParaRPr lang="ko-KR" altLang="en-US" sz="1200"/>
-                    </a:p>
-                  </a:txBody>
-                  <a:tcPr marL="0" marR="0" marT="0" marB="0"/>
-                </a:tc>
-                <a:tc>
-                  <a:txBody>
-                    <a:bodyPr/>
-                    <a:lstStyle/>
-                    <a:p>
-                      <a:pPr latinLnBrk="1"/>
-                      <a:endParaRPr lang="ko-KR" altLang="en-US" sz="1200"/>
-                    </a:p>
-                  </a:txBody>
-                  <a:tcPr marL="0" marR="0" marT="0" marB="0"/>
-                </a:tc>
-                <a:tc>
-                  <a:txBody>
-                    <a:bodyPr/>
-                    <a:lstStyle/>
-                    <a:p>
-                      <a:pPr latinLnBrk="1"/>
-                      <a:endParaRPr lang="ko-KR" altLang="en-US" sz="1200"/>
-                    </a:p>
-                  </a:txBody>
-                  <a:tcPr marL="0" marR="0" marT="0" marB="0"/>
+                  <a:tcPr marL="0" marR="0" marT="0" marB="0">
+                    <a:solidFill>
+                      <a:schemeClr val="accent4"/>
+                    </a:solidFill>
+                  </a:tcPr>
                 </a:tc>
                 <a:tc>
                   <a:txBody>
@@ -17253,6 +17947,142 @@
                       <a:endParaRPr lang="ko-KR" altLang="en-US" sz="1200" dirty="0"/>
                     </a:p>
                   </a:txBody>
+                  <a:tcPr marL="0" marR="0" marT="0" marB="0">
+                    <a:solidFill>
+                      <a:schemeClr val="bg2">
+                        <a:lumMod val="90000"/>
+                      </a:schemeClr>
+                    </a:solidFill>
+                  </a:tcPr>
+                </a:tc>
+                <a:tc>
+                  <a:txBody>
+                    <a:bodyPr/>
+                    <a:lstStyle/>
+                    <a:p>
+                      <a:pPr latinLnBrk="1"/>
+                      <a:endParaRPr lang="ko-KR" altLang="en-US" sz="1200" dirty="0"/>
+                    </a:p>
+                  </a:txBody>
+                  <a:tcPr marL="0" marR="0" marT="0" marB="0">
+                    <a:solidFill>
+                      <a:schemeClr val="bg2">
+                        <a:lumMod val="90000"/>
+                      </a:schemeClr>
+                    </a:solidFill>
+                  </a:tcPr>
+                </a:tc>
+                <a:tc>
+                  <a:txBody>
+                    <a:bodyPr/>
+                    <a:lstStyle/>
+                    <a:p>
+                      <a:pPr latinLnBrk="1"/>
+                      <a:endParaRPr lang="ko-KR" altLang="en-US" sz="1200" dirty="0"/>
+                    </a:p>
+                  </a:txBody>
+                  <a:tcPr marL="0" marR="0" marT="0" marB="0">
+                    <a:solidFill>
+                      <a:schemeClr val="bg2">
+                        <a:lumMod val="90000"/>
+                      </a:schemeClr>
+                    </a:solidFill>
+                  </a:tcPr>
+                </a:tc>
+                <a:tc>
+                  <a:txBody>
+                    <a:bodyPr/>
+                    <a:lstStyle/>
+                    <a:p>
+                      <a:pPr latinLnBrk="1"/>
+                      <a:endParaRPr lang="ko-KR" altLang="en-US" sz="1200" dirty="0"/>
+                    </a:p>
+                  </a:txBody>
+                  <a:tcPr marL="0" marR="0" marT="0" marB="0">
+                    <a:solidFill>
+                      <a:schemeClr val="bg2">
+                        <a:lumMod val="90000"/>
+                      </a:schemeClr>
+                    </a:solidFill>
+                  </a:tcPr>
+                </a:tc>
+                <a:tc>
+                  <a:txBody>
+                    <a:bodyPr/>
+                    <a:lstStyle/>
+                    <a:p>
+                      <a:pPr latinLnBrk="1"/>
+                      <a:endParaRPr lang="ko-KR" altLang="en-US" sz="1200" dirty="0"/>
+                    </a:p>
+                  </a:txBody>
+                  <a:tcPr marL="0" marR="0" marT="0" marB="0">
+                    <a:solidFill>
+                      <a:schemeClr val="bg2">
+                        <a:lumMod val="90000"/>
+                      </a:schemeClr>
+                    </a:solidFill>
+                  </a:tcPr>
+                </a:tc>
+                <a:tc>
+                  <a:txBody>
+                    <a:bodyPr/>
+                    <a:lstStyle/>
+                    <a:p>
+                      <a:pPr latinLnBrk="1"/>
+                      <a:endParaRPr lang="ko-KR" altLang="en-US" sz="1200" dirty="0"/>
+                    </a:p>
+                  </a:txBody>
+                  <a:tcPr marL="0" marR="0" marT="0" marB="0">
+                    <a:solidFill>
+                      <a:schemeClr val="bg2">
+                        <a:lumMod val="90000"/>
+                      </a:schemeClr>
+                    </a:solidFill>
+                  </a:tcPr>
+                </a:tc>
+                <a:tc>
+                  <a:txBody>
+                    <a:bodyPr/>
+                    <a:lstStyle/>
+                    <a:p>
+                      <a:pPr latinLnBrk="1"/>
+                      <a:endParaRPr lang="ko-KR" altLang="en-US" sz="1200" dirty="0"/>
+                    </a:p>
+                  </a:txBody>
+                  <a:tcPr marL="0" marR="0" marT="0" marB="0">
+                    <a:solidFill>
+                      <a:schemeClr val="bg2">
+                        <a:lumMod val="90000"/>
+                      </a:schemeClr>
+                    </a:solidFill>
+                  </a:tcPr>
+                </a:tc>
+                <a:tc>
+                  <a:txBody>
+                    <a:bodyPr/>
+                    <a:lstStyle/>
+                    <a:p>
+                      <a:pPr latinLnBrk="1"/>
+                      <a:endParaRPr lang="ko-KR" altLang="en-US" sz="1200" dirty="0"/>
+                    </a:p>
+                  </a:txBody>
+                  <a:tcPr marL="0" marR="0" marT="0" marB="0">
+                    <a:solidFill>
+                      <a:schemeClr val="bg2">
+                        <a:lumMod val="90000"/>
+                      </a:schemeClr>
+                    </a:solidFill>
+                  </a:tcPr>
+                </a:tc>
+                <a:tc>
+                  <a:txBody>
+                    <a:bodyPr/>
+                    <a:lstStyle/>
+                    <a:p>
+                      <a:pPr latinLnBrk="1"/>
+                      <a:endParaRPr lang="ko-KR" altLang="en-US" sz="1200" dirty="0"/>
+                    </a:p>
+                  </a:txBody>
                   <a:tcPr marL="0" marR="0" marT="0" marB="0"/>
                 </a:tc>
                 <a:tc>
@@ -17306,7 +18136,7 @@
                     <a:lstStyle/>
                     <a:p>
                       <a:pPr latinLnBrk="1"/>
-                      <a:endParaRPr lang="ko-KR" altLang="en-US" sz="1200" dirty="0"/>
+                      <a:endParaRPr lang="ko-KR" altLang="en-US" sz="1200"/>
                     </a:p>
                   </a:txBody>
                   <a:tcPr marL="0" marR="0" marT="0" marB="0">
@@ -17329,98 +18159,6 @@
                       <a:schemeClr val="accent6"/>
                     </a:solidFill>
                   </a:tcPr>
-                </a:tc>
-                <a:tc>
-                  <a:txBody>
-                    <a:bodyPr/>
-                    <a:lstStyle/>
-                    <a:p>
-                      <a:pPr latinLnBrk="1"/>
-                      <a:endParaRPr lang="ko-KR" altLang="en-US" sz="1200" dirty="0"/>
-                    </a:p>
-                  </a:txBody>
-                  <a:tcPr marL="0" marR="0" marT="0" marB="0">
-                    <a:solidFill>
-                      <a:schemeClr val="accent6"/>
-                    </a:solidFill>
-                  </a:tcPr>
-                </a:tc>
-                <a:tc>
-                  <a:txBody>
-                    <a:bodyPr/>
-                    <a:lstStyle/>
-                    <a:p>
-                      <a:pPr latinLnBrk="1"/>
-                      <a:endParaRPr lang="ko-KR" altLang="en-US" sz="1200"/>
-                    </a:p>
-                  </a:txBody>
-                  <a:tcPr marL="0" marR="0" marT="0" marB="0"/>
-                </a:tc>
-                <a:tc>
-                  <a:txBody>
-                    <a:bodyPr/>
-                    <a:lstStyle/>
-                    <a:p>
-                      <a:pPr latinLnBrk="1"/>
-                      <a:endParaRPr lang="ko-KR" altLang="en-US" sz="1200" dirty="0"/>
-                    </a:p>
-                  </a:txBody>
-                  <a:tcPr marL="0" marR="0" marT="0" marB="0"/>
-                </a:tc>
-                <a:tc>
-                  <a:txBody>
-                    <a:bodyPr/>
-                    <a:lstStyle/>
-                    <a:p>
-                      <a:pPr latinLnBrk="1"/>
-                      <a:endParaRPr lang="ko-KR" altLang="en-US" sz="1200"/>
-                    </a:p>
-                  </a:txBody>
-                  <a:tcPr marL="0" marR="0" marT="0" marB="0"/>
-                </a:tc>
-                <a:tc>
-                  <a:txBody>
-                    <a:bodyPr/>
-                    <a:lstStyle/>
-                    <a:p>
-                      <a:pPr latinLnBrk="1"/>
-                      <a:endParaRPr lang="ko-KR" altLang="en-US" sz="1200" dirty="0"/>
-                    </a:p>
-                  </a:txBody>
-                  <a:tcPr marL="0" marR="0" marT="0" marB="0"/>
-                </a:tc>
-                <a:tc>
-                  <a:txBody>
-                    <a:bodyPr/>
-                    <a:lstStyle/>
-                    <a:p>
-                      <a:pPr latinLnBrk="1"/>
-                      <a:endParaRPr lang="ko-KR" altLang="en-US" sz="1200"/>
-                    </a:p>
-                  </a:txBody>
-                  <a:tcPr marL="0" marR="0" marT="0" marB="0"/>
-                </a:tc>
-                <a:tc>
-                  <a:txBody>
-                    <a:bodyPr/>
-                    <a:lstStyle/>
-                    <a:p>
-                      <a:pPr latinLnBrk="1"/>
-                      <a:endParaRPr lang="ko-KR" altLang="en-US" sz="1200"/>
-                    </a:p>
-                  </a:txBody>
-                  <a:tcPr marL="0" marR="0" marT="0" marB="0"/>
-                </a:tc>
-                <a:tc>
-                  <a:txBody>
-                    <a:bodyPr/>
-                    <a:lstStyle/>
-                    <a:p>
-                      <a:pPr latinLnBrk="1"/>
-                      <a:endParaRPr lang="ko-KR" altLang="en-US" sz="1200"/>
-                    </a:p>
-                  </a:txBody>
-                  <a:tcPr marL="0" marR="0" marT="0" marB="0"/>
                 </a:tc>
                 <a:tc>
                   <a:txBody>
@@ -18492,76 +19230,199 @@
                     <a:lstStyle/>
                     <a:p>
                       <a:pPr latinLnBrk="1"/>
-                      <a:endParaRPr lang="ko-KR" altLang="en-US" sz="1200"/>
-                    </a:p>
-                  </a:txBody>
-                  <a:tcPr marL="0" marR="0" marT="0" marB="0"/>
-                </a:tc>
-                <a:tc>
-                  <a:txBody>
-                    <a:bodyPr/>
-                    <a:lstStyle/>
-                    <a:p>
-                      <a:pPr latinLnBrk="1"/>
-                      <a:endParaRPr lang="ko-KR" altLang="en-US" sz="1200"/>
-                    </a:p>
-                  </a:txBody>
-                  <a:tcPr marL="0" marR="0" marT="0" marB="0"/>
-                </a:tc>
-                <a:tc>
-                  <a:txBody>
-                    <a:bodyPr/>
-                    <a:lstStyle/>
-                    <a:p>
-                      <a:pPr latinLnBrk="1"/>
-                      <a:endParaRPr lang="ko-KR" altLang="en-US" sz="1200"/>
-                    </a:p>
-                  </a:txBody>
-                  <a:tcPr marL="0" marR="0" marT="0" marB="0"/>
-                </a:tc>
-                <a:tc>
-                  <a:txBody>
-                    <a:bodyPr/>
-                    <a:lstStyle/>
-                    <a:p>
-                      <a:pPr latinLnBrk="1"/>
-                      <a:endParaRPr lang="ko-KR" altLang="en-US" sz="1200"/>
-                    </a:p>
-                  </a:txBody>
-                  <a:tcPr marL="0" marR="0" marT="0" marB="0"/>
-                </a:tc>
-                <a:tc>
-                  <a:txBody>
-                    <a:bodyPr/>
-                    <a:lstStyle/>
-                    <a:p>
-                      <a:pPr latinLnBrk="1"/>
-                      <a:endParaRPr lang="ko-KR" altLang="en-US" sz="1200"/>
-                    </a:p>
-                  </a:txBody>
-                  <a:tcPr marL="0" marR="0" marT="0" marB="0"/>
-                </a:tc>
-                <a:tc>
-                  <a:txBody>
-                    <a:bodyPr/>
-                    <a:lstStyle/>
-                    <a:p>
-                      <a:pPr latinLnBrk="1"/>
-                      <a:endParaRPr lang="ko-KR" altLang="en-US" sz="1200"/>
-                    </a:p>
-                  </a:txBody>
-                  <a:tcPr marL="0" marR="0" marT="0" marB="0"/>
-                </a:tc>
-                <a:tc>
-                  <a:txBody>
-                    <a:bodyPr/>
-                    <a:lstStyle/>
-                    <a:p>
-                      <a:pPr latinLnBrk="1"/>
-                      <a:endParaRPr lang="ko-KR" altLang="en-US" sz="1200"/>
-                    </a:p>
-                  </a:txBody>
-                  <a:tcPr marL="0" marR="0" marT="0" marB="0"/>
+                      <a:endParaRPr lang="ko-KR" altLang="en-US" sz="1200" dirty="0"/>
+                    </a:p>
+                  </a:txBody>
+                  <a:tcPr marL="0" marR="0" marT="0" marB="0"/>
+                </a:tc>
+                <a:tc>
+                  <a:txBody>
+                    <a:bodyPr/>
+                    <a:lstStyle/>
+                    <a:p>
+                      <a:pPr latinLnBrk="1"/>
+                      <a:endParaRPr lang="ko-KR" altLang="en-US" sz="1200"/>
+                    </a:p>
+                  </a:txBody>
+                  <a:tcPr marL="0" marR="0" marT="0" marB="0"/>
+                </a:tc>
+                <a:tc>
+                  <a:txBody>
+                    <a:bodyPr/>
+                    <a:lstStyle/>
+                    <a:p>
+                      <a:pPr latinLnBrk="1"/>
+                      <a:endParaRPr lang="ko-KR" altLang="en-US" sz="1200"/>
+                    </a:p>
+                  </a:txBody>
+                  <a:tcPr marL="0" marR="0" marT="0" marB="0"/>
+                </a:tc>
+                <a:tc>
+                  <a:txBody>
+                    <a:bodyPr/>
+                    <a:lstStyle/>
+                    <a:p>
+                      <a:pPr latinLnBrk="1"/>
+                      <a:endParaRPr lang="ko-KR" altLang="en-US" sz="1200"/>
+                    </a:p>
+                  </a:txBody>
+                  <a:tcPr marL="0" marR="0" marT="0" marB="0"/>
+                </a:tc>
+                <a:tc>
+                  <a:txBody>
+                    <a:bodyPr/>
+                    <a:lstStyle/>
+                    <a:p>
+                      <a:pPr latinLnBrk="1"/>
+                      <a:endParaRPr lang="ko-KR" altLang="en-US" sz="1200"/>
+                    </a:p>
+                  </a:txBody>
+                  <a:tcPr marL="0" marR="0" marT="0" marB="0"/>
+                </a:tc>
+                <a:tc>
+                  <a:txBody>
+                    <a:bodyPr/>
+                    <a:lstStyle/>
+                    <a:p>
+                      <a:pPr latinLnBrk="1"/>
+                      <a:endParaRPr lang="ko-KR" altLang="en-US" sz="1200"/>
+                    </a:p>
+                  </a:txBody>
+                  <a:tcPr marL="0" marR="0" marT="0" marB="0"/>
+                </a:tc>
+                <a:tc>
+                  <a:txBody>
+                    <a:bodyPr/>
+                    <a:lstStyle/>
+                    <a:p>
+                      <a:pPr latinLnBrk="1"/>
+                      <a:endParaRPr lang="ko-KR" altLang="en-US" sz="1200"/>
+                    </a:p>
+                  </a:txBody>
+                  <a:tcPr marL="0" marR="0" marT="0" marB="0"/>
+                </a:tc>
+                <a:tc>
+                  <a:txBody>
+                    <a:bodyPr/>
+                    <a:lstStyle/>
+                    <a:p>
+                      <a:pPr latinLnBrk="1"/>
+                      <a:endParaRPr lang="ko-KR" altLang="en-US" sz="1200" dirty="0"/>
+                    </a:p>
+                  </a:txBody>
+                  <a:tcPr marL="0" marR="0" marT="0" marB="0"/>
+                </a:tc>
+                <a:tc>
+                  <a:txBody>
+                    <a:bodyPr/>
+                    <a:lstStyle/>
+                    <a:p>
+                      <a:pPr latinLnBrk="1"/>
+                      <a:endParaRPr lang="ko-KR" altLang="en-US" sz="1200"/>
+                    </a:p>
+                  </a:txBody>
+                  <a:tcPr marL="0" marR="0" marT="0" marB="0"/>
+                </a:tc>
+                <a:tc>
+                  <a:txBody>
+                    <a:bodyPr/>
+                    <a:lstStyle/>
+                    <a:p>
+                      <a:pPr latinLnBrk="1"/>
+                      <a:endParaRPr lang="ko-KR" altLang="en-US" sz="1200"/>
+                    </a:p>
+                  </a:txBody>
+                  <a:tcPr marL="0" marR="0" marT="0" marB="0"/>
+                </a:tc>
+                <a:tc>
+                  <a:txBody>
+                    <a:bodyPr/>
+                    <a:lstStyle/>
+                    <a:p>
+                      <a:pPr latinLnBrk="1"/>
+                      <a:endParaRPr lang="ko-KR" altLang="en-US" sz="1200" dirty="0"/>
+                    </a:p>
+                  </a:txBody>
+                  <a:tcPr marL="0" marR="0" marT="0" marB="0">
+                    <a:solidFill>
+                      <a:schemeClr val="bg2"/>
+                    </a:solidFill>
+                  </a:tcPr>
+                </a:tc>
+                <a:tc>
+                  <a:txBody>
+                    <a:bodyPr/>
+                    <a:lstStyle/>
+                    <a:p>
+                      <a:pPr latinLnBrk="1"/>
+                      <a:endParaRPr lang="ko-KR" altLang="en-US" sz="1200" dirty="0"/>
+                    </a:p>
+                  </a:txBody>
+                  <a:tcPr marL="0" marR="0" marT="0" marB="0">
+                    <a:solidFill>
+                      <a:schemeClr val="bg2"/>
+                    </a:solidFill>
+                  </a:tcPr>
+                </a:tc>
+                <a:tc>
+                  <a:txBody>
+                    <a:bodyPr/>
+                    <a:lstStyle/>
+                    <a:p>
+                      <a:pPr latinLnBrk="1"/>
+                      <a:endParaRPr lang="ko-KR" altLang="en-US" sz="1200" dirty="0"/>
+                    </a:p>
+                  </a:txBody>
+                  <a:tcPr marL="0" marR="0" marT="0" marB="0">
+                    <a:solidFill>
+                      <a:schemeClr val="bg2"/>
+                    </a:solidFill>
+                  </a:tcPr>
+                </a:tc>
+                <a:tc>
+                  <a:txBody>
+                    <a:bodyPr/>
+                    <a:lstStyle/>
+                    <a:p>
+                      <a:pPr latinLnBrk="1"/>
+                      <a:endParaRPr lang="ko-KR" altLang="en-US" sz="1200" dirty="0"/>
+                    </a:p>
+                  </a:txBody>
+                  <a:tcPr marL="0" marR="0" marT="0" marB="0">
+                    <a:solidFill>
+                      <a:schemeClr val="bg2"/>
+                    </a:solidFill>
+                  </a:tcPr>
+                </a:tc>
+                <a:tc>
+                  <a:txBody>
+                    <a:bodyPr/>
+                    <a:lstStyle/>
+                    <a:p>
+                      <a:pPr latinLnBrk="1"/>
+                      <a:endParaRPr lang="ko-KR" altLang="en-US" sz="1200" dirty="0"/>
+                    </a:p>
+                  </a:txBody>
+                  <a:tcPr marL="0" marR="0" marT="0" marB="0">
+                    <a:solidFill>
+                      <a:schemeClr val="bg2"/>
+                    </a:solidFill>
+                  </a:tcPr>
+                </a:tc>
+                <a:tc>
+                  <a:txBody>
+                    <a:bodyPr/>
+                    <a:lstStyle/>
+                    <a:p>
+                      <a:pPr latinLnBrk="1"/>
+                      <a:endParaRPr lang="ko-KR" altLang="en-US" sz="1200" dirty="0"/>
+                    </a:p>
+                  </a:txBody>
+                  <a:tcPr marL="0" marR="0" marT="0" marB="0">
+                    <a:solidFill>
+                      <a:schemeClr val="bg2"/>
+                    </a:solidFill>
+                  </a:tcPr>
                 </a:tc>
                 <a:tc>
                   <a:txBody>
@@ -18628,7 +19489,7 @@
                     <a:lstStyle/>
                     <a:p>
                       <a:pPr latinLnBrk="1"/>
-                      <a:endParaRPr lang="ko-KR" altLang="en-US" sz="1200" dirty="0"/>
+                      <a:endParaRPr lang="ko-KR" altLang="en-US" sz="1200"/>
                     </a:p>
                   </a:txBody>
                   <a:tcPr marL="0" marR="0" marT="0" marB="0">
@@ -18651,109 +19512,6 @@
                       <a:schemeClr val="accent4"/>
                     </a:solidFill>
                   </a:tcPr>
-                </a:tc>
-                <a:tc>
-                  <a:txBody>
-                    <a:bodyPr/>
-                    <a:lstStyle/>
-                    <a:p>
-                      <a:pPr latinLnBrk="1"/>
-                      <a:endParaRPr lang="ko-KR" altLang="en-US" sz="1200" dirty="0"/>
-                    </a:p>
-                  </a:txBody>
-                  <a:tcPr marL="0" marR="0" marT="0" marB="0">
-                    <a:solidFill>
-                      <a:schemeClr val="accent4"/>
-                    </a:solidFill>
-                  </a:tcPr>
-                </a:tc>
-                <a:tc>
-                  <a:txBody>
-                    <a:bodyPr/>
-                    <a:lstStyle/>
-                    <a:p>
-                      <a:pPr latinLnBrk="1"/>
-                      <a:endParaRPr lang="ko-KR" altLang="en-US" sz="1200"/>
-                    </a:p>
-                  </a:txBody>
-                  <a:tcPr marL="0" marR="0" marT="0" marB="0"/>
-                </a:tc>
-                <a:tc>
-                  <a:txBody>
-                    <a:bodyPr/>
-                    <a:lstStyle/>
-                    <a:p>
-                      <a:pPr latinLnBrk="1"/>
-                      <a:endParaRPr lang="ko-KR" altLang="en-US" sz="1200" dirty="0"/>
-                    </a:p>
-                  </a:txBody>
-                  <a:tcPr marL="0" marR="0" marT="0" marB="0"/>
-                </a:tc>
-                <a:tc>
-                  <a:txBody>
-                    <a:bodyPr/>
-                    <a:lstStyle/>
-                    <a:p>
-                      <a:pPr latinLnBrk="1"/>
-                      <a:endParaRPr lang="ko-KR" altLang="en-US" sz="1200"/>
-                    </a:p>
-                  </a:txBody>
-                  <a:tcPr marL="0" marR="0" marT="0" marB="0"/>
-                </a:tc>
-                <a:tc>
-                  <a:txBody>
-                    <a:bodyPr/>
-                    <a:lstStyle/>
-                    <a:p>
-                      <a:pPr latinLnBrk="1"/>
-                      <a:endParaRPr lang="ko-KR" altLang="en-US" sz="1200"/>
-                    </a:p>
-                  </a:txBody>
-                  <a:tcPr marL="0" marR="0" marT="0" marB="0"/>
-                </a:tc>
-                <a:tc>
-                  <a:txBody>
-                    <a:bodyPr/>
-                    <a:lstStyle/>
-                    <a:p>
-                      <a:pPr latinLnBrk="1"/>
-                      <a:endParaRPr lang="ko-KR" altLang="en-US" sz="1200"/>
-                    </a:p>
-                  </a:txBody>
-                  <a:tcPr marL="0" marR="0" marT="0" marB="0"/>
-                </a:tc>
-                <a:tc>
-                  <a:txBody>
-                    <a:bodyPr/>
-                    <a:lstStyle/>
-                    <a:p>
-                      <a:pPr latinLnBrk="1"/>
-                      <a:endParaRPr lang="ko-KR" altLang="en-US" sz="1200" dirty="0"/>
-                    </a:p>
-                  </a:txBody>
-                  <a:tcPr marL="0" marR="0" marT="0" marB="0"/>
-                </a:tc>
-                <a:tc>
-                  <a:txBody>
-                    <a:bodyPr/>
-                    <a:lstStyle/>
-                    <a:p>
-                      <a:pPr latinLnBrk="1"/>
-                      <a:endParaRPr lang="ko-KR" altLang="en-US" sz="1200"/>
-                    </a:p>
-                  </a:txBody>
-                  <a:tcPr marL="0" marR="0" marT="0" marB="0"/>
-                </a:tc>
-                <a:tc>
-                  <a:txBody>
-                    <a:bodyPr/>
-                    <a:lstStyle/>
-                    <a:p>
-                      <a:pPr latinLnBrk="1"/>
-                      <a:endParaRPr lang="ko-KR" altLang="en-US" sz="1200"/>
-                    </a:p>
-                  </a:txBody>
-                  <a:tcPr marL="0" marR="0" marT="0" marB="0"/>
                 </a:tc>
                 <a:tc>
                   <a:txBody>
@@ -19115,28 +19873,6 @@
                     <a:lstStyle/>
                     <a:p>
                       <a:pPr latinLnBrk="1"/>
-                      <a:endParaRPr lang="ko-KR" altLang="en-US" sz="1200"/>
-                    </a:p>
-                  </a:txBody>
-                  <a:tcPr marL="0" marR="0" marT="0" marB="0"/>
-                </a:tc>
-                <a:tc>
-                  <a:txBody>
-                    <a:bodyPr/>
-                    <a:lstStyle/>
-                    <a:p>
-                      <a:pPr latinLnBrk="1"/>
-                      <a:endParaRPr lang="ko-KR" altLang="en-US" sz="1200"/>
-                    </a:p>
-                  </a:txBody>
-                  <a:tcPr marL="0" marR="0" marT="0" marB="0"/>
-                </a:tc>
-                <a:tc>
-                  <a:txBody>
-                    <a:bodyPr/>
-                    <a:lstStyle/>
-                    <a:p>
-                      <a:pPr latinLnBrk="1"/>
                       <a:endParaRPr lang="ko-KR" altLang="en-US" sz="1200" dirty="0"/>
                     </a:p>
                   </a:txBody>
@@ -19152,7 +19888,7 @@
                     <a:lstStyle/>
                     <a:p>
                       <a:pPr latinLnBrk="1"/>
-                      <a:endParaRPr lang="ko-KR" altLang="en-US" sz="1200" dirty="0"/>
+                      <a:endParaRPr lang="ko-KR" altLang="en-US" sz="1200"/>
                     </a:p>
                   </a:txBody>
                   <a:tcPr marL="0" marR="0" marT="0" marB="0">
@@ -19197,10 +19933,50 @@
                     <a:lstStyle/>
                     <a:p>
                       <a:pPr latinLnBrk="1"/>
-                      <a:endParaRPr lang="ko-KR" altLang="en-US" sz="1200"/>
-                    </a:p>
-                  </a:txBody>
-                  <a:tcPr marL="0" marR="0" marT="0" marB="0"/>
+                      <a:endParaRPr lang="ko-KR" altLang="en-US" sz="1200" dirty="0"/>
+                    </a:p>
+                  </a:txBody>
+                  <a:tcPr marL="0" marR="0" marT="0" marB="0">
+                    <a:solidFill>
+                      <a:schemeClr val="bg2">
+                        <a:lumMod val="90000"/>
+                      </a:schemeClr>
+                    </a:solidFill>
+                  </a:tcPr>
+                </a:tc>
+                <a:tc>
+                  <a:txBody>
+                    <a:bodyPr/>
+                    <a:lstStyle/>
+                    <a:p>
+                      <a:pPr latinLnBrk="1"/>
+                      <a:endParaRPr lang="ko-KR" altLang="en-US" sz="1200" dirty="0"/>
+                    </a:p>
+                  </a:txBody>
+                  <a:tcPr marL="0" marR="0" marT="0" marB="0">
+                    <a:solidFill>
+                      <a:schemeClr val="bg2">
+                        <a:lumMod val="90000"/>
+                      </a:schemeClr>
+                    </a:solidFill>
+                  </a:tcPr>
+                </a:tc>
+                <a:tc>
+                  <a:txBody>
+                    <a:bodyPr/>
+                    <a:lstStyle/>
+                    <a:p>
+                      <a:pPr latinLnBrk="1"/>
+                      <a:endParaRPr lang="ko-KR" altLang="en-US" sz="1200" dirty="0"/>
+                    </a:p>
+                  </a:txBody>
+                  <a:tcPr marL="0" marR="0" marT="0" marB="0">
+                    <a:solidFill>
+                      <a:schemeClr val="bg2">
+                        <a:lumMod val="90000"/>
+                      </a:schemeClr>
+                    </a:solidFill>
+                  </a:tcPr>
                 </a:tc>
                 <a:tc>
                   <a:txBody>
@@ -19397,87 +20173,29 @@
                     <a:lstStyle/>
                     <a:p>
                       <a:pPr latinLnBrk="1"/>
-                      <a:endParaRPr lang="ko-KR" altLang="en-US" sz="1200"/>
-                    </a:p>
-                  </a:txBody>
-                  <a:tcPr marL="0" marR="0" marT="0" marB="0"/>
-                </a:tc>
-                <a:tc>
-                  <a:txBody>
-                    <a:bodyPr/>
-                    <a:lstStyle/>
-                    <a:p>
-                      <a:pPr latinLnBrk="1"/>
-                      <a:endParaRPr lang="ko-KR" altLang="en-US" sz="1200"/>
-                    </a:p>
-                  </a:txBody>
-                  <a:tcPr marL="0" marR="0" marT="0" marB="0"/>
-                </a:tc>
-                <a:tc>
-                  <a:txBody>
-                    <a:bodyPr/>
-                    <a:lstStyle/>
-                    <a:p>
-                      <a:pPr latinLnBrk="1"/>
                       <a:endParaRPr lang="ko-KR" altLang="en-US" sz="1200" dirty="0"/>
                     </a:p>
                   </a:txBody>
-                  <a:tcPr marL="0" marR="0" marT="0" marB="0"/>
-                </a:tc>
-                <a:tc>
-                  <a:txBody>
-                    <a:bodyPr/>
-                    <a:lstStyle/>
-                    <a:p>
-                      <a:pPr latinLnBrk="1"/>
-                      <a:endParaRPr lang="ko-KR" altLang="en-US" sz="1200"/>
-                    </a:p>
-                  </a:txBody>
-                  <a:tcPr marL="0" marR="0" marT="0" marB="0"/>
-                </a:tc>
-                <a:tc>
-                  <a:txBody>
-                    <a:bodyPr/>
-                    <a:lstStyle/>
-                    <a:p>
-                      <a:pPr latinLnBrk="1"/>
-                      <a:endParaRPr lang="ko-KR" altLang="en-US" sz="1200"/>
-                    </a:p>
-                  </a:txBody>
-                  <a:tcPr marL="0" marR="0" marT="0" marB="0"/>
-                </a:tc>
-                <a:tc>
-                  <a:txBody>
-                    <a:bodyPr/>
-                    <a:lstStyle/>
-                    <a:p>
-                      <a:pPr latinLnBrk="1"/>
-                      <a:endParaRPr lang="ko-KR" altLang="en-US" sz="1200"/>
-                    </a:p>
-                  </a:txBody>
-                  <a:tcPr marL="0" marR="0" marT="0" marB="0"/>
-                </a:tc>
-                <a:tc>
-                  <a:txBody>
-                    <a:bodyPr/>
-                    <a:lstStyle/>
-                    <a:p>
-                      <a:pPr latinLnBrk="1"/>
-                      <a:endParaRPr lang="ko-KR" altLang="en-US" sz="1200"/>
-                    </a:p>
-                  </a:txBody>
-                  <a:tcPr marL="0" marR="0" marT="0" marB="0"/>
-                </a:tc>
-                <a:tc>
-                  <a:txBody>
-                    <a:bodyPr/>
-                    <a:lstStyle/>
-                    <a:p>
-                      <a:pPr latinLnBrk="1"/>
-                      <a:endParaRPr lang="ko-KR" altLang="en-US" sz="1200"/>
-                    </a:p>
-                  </a:txBody>
-                  <a:tcPr marL="0" marR="0" marT="0" marB="0"/>
+                  <a:tcPr marL="0" marR="0" marT="0" marB="0">
+                    <a:solidFill>
+                      <a:schemeClr val="accent4"/>
+                    </a:solidFill>
+                  </a:tcPr>
+                </a:tc>
+                <a:tc>
+                  <a:txBody>
+                    <a:bodyPr/>
+                    <a:lstStyle/>
+                    <a:p>
+                      <a:pPr latinLnBrk="1"/>
+                      <a:endParaRPr lang="ko-KR" altLang="en-US" sz="1200"/>
+                    </a:p>
+                  </a:txBody>
+                  <a:tcPr marL="0" marR="0" marT="0" marB="0">
+                    <a:solidFill>
+                      <a:schemeClr val="accent4"/>
+                    </a:solidFill>
+                  </a:tcPr>
                 </a:tc>
                 <a:tc>
                   <a:txBody>
@@ -19488,7 +20206,11 @@
                       <a:endParaRPr lang="ko-KR" altLang="en-US" sz="1200" dirty="0"/>
                     </a:p>
                   </a:txBody>
-                  <a:tcPr marL="0" marR="0" marT="0" marB="0"/>
+                  <a:tcPr marL="0" marR="0" marT="0" marB="0">
+                    <a:solidFill>
+                      <a:schemeClr val="accent4"/>
+                    </a:solidFill>
+                  </a:tcPr>
                 </a:tc>
                 <a:tc>
                   <a:txBody>
@@ -19499,6 +20221,43 @@
                       <a:endParaRPr lang="ko-KR" altLang="en-US" sz="1200" dirty="0"/>
                     </a:p>
                   </a:txBody>
+                  <a:tcPr marL="0" marR="0" marT="0" marB="0">
+                    <a:solidFill>
+                      <a:schemeClr val="accent4"/>
+                    </a:solidFill>
+                  </a:tcPr>
+                </a:tc>
+                <a:tc>
+                  <a:txBody>
+                    <a:bodyPr/>
+                    <a:lstStyle/>
+                    <a:p>
+                      <a:pPr latinLnBrk="1"/>
+                      <a:endParaRPr lang="ko-KR" altLang="en-US" sz="1200"/>
+                    </a:p>
+                  </a:txBody>
+                  <a:tcPr marL="0" marR="0" marT="0" marB="0"/>
+                </a:tc>
+                <a:tc>
+                  <a:txBody>
+                    <a:bodyPr/>
+                    <a:lstStyle/>
+                    <a:p>
+                      <a:pPr latinLnBrk="1"/>
+                      <a:endParaRPr lang="ko-KR" altLang="en-US" sz="1200"/>
+                    </a:p>
+                  </a:txBody>
+                  <a:tcPr marL="0" marR="0" marT="0" marB="0"/>
+                </a:tc>
+                <a:tc>
+                  <a:txBody>
+                    <a:bodyPr/>
+                    <a:lstStyle/>
+                    <a:p>
+                      <a:pPr latinLnBrk="1"/>
+                      <a:endParaRPr lang="ko-KR" altLang="en-US" sz="1200"/>
+                    </a:p>
+                  </a:txBody>
                   <a:tcPr marL="0" marR="0" marT="0" marB="0"/>
                 </a:tc>
                 <a:tc>
@@ -19522,6 +20281,43 @@
                     </a:p>
                   </a:txBody>
                   <a:tcPr marL="0" marR="0" marT="0" marB="0"/>
+                </a:tc>
+                <a:tc>
+                  <a:txBody>
+                    <a:bodyPr/>
+                    <a:lstStyle/>
+                    <a:p>
+                      <a:pPr latinLnBrk="1"/>
+                      <a:endParaRPr lang="ko-KR" altLang="en-US" sz="1200" dirty="0"/>
+                    </a:p>
+                  </a:txBody>
+                  <a:tcPr marL="0" marR="0" marT="0" marB="0"/>
+                </a:tc>
+                <a:tc>
+                  <a:txBody>
+                    <a:bodyPr/>
+                    <a:lstStyle/>
+                    <a:p>
+                      <a:pPr latinLnBrk="1"/>
+                      <a:endParaRPr lang="ko-KR" altLang="en-US" sz="1200"/>
+                    </a:p>
+                  </a:txBody>
+                  <a:tcPr marL="0" marR="0" marT="0" marB="0"/>
+                </a:tc>
+                <a:tc>
+                  <a:txBody>
+                    <a:bodyPr/>
+                    <a:lstStyle/>
+                    <a:p>
+                      <a:pPr latinLnBrk="1"/>
+                      <a:endParaRPr lang="ko-KR" altLang="en-US" sz="1200" dirty="0"/>
+                    </a:p>
+                  </a:txBody>
+                  <a:tcPr marL="0" marR="0" marT="0" marB="0">
+                    <a:solidFill>
+                      <a:schemeClr val="bg2"/>
+                    </a:solidFill>
+                  </a:tcPr>
                 </a:tc>
                 <a:tc>
                   <a:txBody>
@@ -19538,7 +20334,7 @@
                   </a:txBody>
                   <a:tcPr marL="0" marR="0" marT="0" marB="0">
                     <a:solidFill>
-                      <a:schemeClr val="accent4"/>
+                      <a:schemeClr val="bg2"/>
                     </a:solidFill>
                   </a:tcPr>
                 </a:tc>
@@ -19557,7 +20353,7 @@
                   </a:txBody>
                   <a:tcPr marL="0" marR="0" marT="0" marB="0">
                     <a:solidFill>
-                      <a:schemeClr val="accent4"/>
+                      <a:schemeClr val="bg2"/>
                     </a:solidFill>
                   </a:tcPr>
                 </a:tc>
@@ -19576,7 +20372,7 @@
                   </a:txBody>
                   <a:tcPr marL="0" marR="0" marT="0" marB="0">
                     <a:solidFill>
-                      <a:schemeClr val="accent4"/>
+                      <a:schemeClr val="bg2"/>
                     </a:solidFill>
                   </a:tcPr>
                 </a:tc>
@@ -19595,7 +20391,7 @@
                   </a:txBody>
                   <a:tcPr marL="0" marR="0" marT="0" marB="0">
                     <a:solidFill>
-                      <a:schemeClr val="accent4"/>
+                      <a:schemeClr val="bg2"/>
                     </a:solidFill>
                   </a:tcPr>
                 </a:tc>
@@ -21097,7 +21893,21 @@
                           <a:latin typeface="맑은 고딕" panose="020B0503020000020004" pitchFamily="50" charset="-127"/>
                           <a:ea typeface="맑은 고딕" panose="020B0503020000020004" pitchFamily="50" charset="-127"/>
                         </a:rPr>
-                        <a:t>UI</a:t>
+                        <a:t>UI (</a:t>
+                      </a:r>
+                      <a:r>
+                        <a:rPr lang="ko-KR" altLang="en-US" sz="1000" dirty="0">
+                          <a:latin typeface="맑은 고딕" panose="020B0503020000020004" pitchFamily="50" charset="-127"/>
+                          <a:ea typeface="맑은 고딕" panose="020B0503020000020004" pitchFamily="50" charset="-127"/>
+                        </a:rPr>
+                        <a:t>폰트 등</a:t>
+                      </a:r>
+                      <a:r>
+                        <a:rPr lang="en-US" altLang="ko-KR" sz="1000" dirty="0">
+                          <a:latin typeface="맑은 고딕" panose="020B0503020000020004" pitchFamily="50" charset="-127"/>
+                          <a:ea typeface="맑은 고딕" panose="020B0503020000020004" pitchFamily="50" charset="-127"/>
+                        </a:rPr>
+                        <a:t>)</a:t>
                       </a:r>
                       <a:endParaRPr lang="ko-KR" altLang="en-US" sz="1000" dirty="0">
                         <a:latin typeface="맑은 고딕" panose="020B0503020000020004" pitchFamily="50" charset="-127"/>
@@ -21808,7 +22618,7 @@
                     <a:lstStyle/>
                     <a:p>
                       <a:pPr latinLnBrk="1"/>
-                      <a:endParaRPr lang="ko-KR" altLang="en-US" sz="1200"/>
+                      <a:endParaRPr lang="ko-KR" altLang="en-US" sz="1200" dirty="0"/>
                     </a:p>
                   </a:txBody>
                   <a:tcPr marL="0" marR="0" marT="0" marB="0"/>
@@ -29004,7 +29814,7 @@
     <mc:Choice Requires="p14">
       <p:transition/>
     </mc:Choice>
-    <mc:Fallback xmlns="" xmlns:c="http://schemas.openxmlformats.org/drawingml/2006/chart" xmlns:dgm="http://schemas.openxmlformats.org/drawingml/2006/diagram" xmlns:dsp="http://schemas.microsoft.com/office/drawing/2008/diagram">
+    <mc:Fallback xmlns:dsp="http://schemas.microsoft.com/office/drawing/2008/diagram" xmlns:dgm="http://schemas.openxmlformats.org/drawingml/2006/diagram" xmlns:c="http://schemas.openxmlformats.org/drawingml/2006/chart" xmlns="">
       <p:transition/>
     </mc:Fallback>
   </mc:AlternateContent>
